--- a/Offensive Security Tactics for Linux Professionals - Putting it all together.pptx
+++ b/Offensive Security Tactics for Linux Professionals - Putting it all together.pptx
@@ -5,7 +5,7 @@
     <p:sldMasterId id="2147483648" r:id="rId1"/>
   </p:sldMasterIdLst>
   <p:notesMasterIdLst>
-    <p:notesMasterId r:id="rId25"/>
+    <p:notesMasterId r:id="rId27"/>
   </p:notesMasterIdLst>
   <p:sldIdLst>
     <p:sldId id="256" r:id="rId2"/>
@@ -31,6 +31,8 @@
     <p:sldId id="286" r:id="rId22"/>
     <p:sldId id="272" r:id="rId23"/>
     <p:sldId id="277" r:id="rId24"/>
+    <p:sldId id="289" r:id="rId25"/>
+    <p:sldId id="290" r:id="rId26"/>
   </p:sldIdLst>
   <p:sldSz cx="12192000" cy="6858000"/>
   <p:notesSz cx="6858000" cy="9144000"/>
@@ -318,6 +320,60 @@
           <inkml:channelProperty channel="Y" name="resolution" value="1000" units="1/cm"/>
         </inkml:channelProperties>
       </inkml:inkSource>
+      <inkml:timestamp xml:id="ts0" timeString="2022-02-23T18:12:27.653"/>
+    </inkml:context>
+    <inkml:brush xml:id="br0">
+      <inkml:brushProperty name="width" value="0.05" units="cm"/>
+      <inkml:brushProperty name="height" value="0.05" units="cm"/>
+      <inkml:brushProperty name="color" value="#E71224"/>
+      <inkml:brushProperty name="ignorePressure" value="1"/>
+    </inkml:brush>
+  </inkml:definitions>
+  <inkml:trace contextRef="#ctx0" brushRef="#br0">0 0,'2236'0,"-2391"0,7571 0,-2692 0,-4855 0,2801 0</inkml:trace>
+</inkml:ink>
+</file>
+
+<file path=ppt/ink/ink3.xml><?xml version="1.0" encoding="utf-8"?>
+<inkml:ink xmlns:inkml="http://www.w3.org/2003/InkML">
+  <inkml:definitions>
+    <inkml:context xml:id="ctx0">
+      <inkml:inkSource xml:id="inkSrc0">
+        <inkml:traceFormat>
+          <inkml:channel name="X" type="integer" min="-2.14748E9" max="2.14748E9" units="cm"/>
+          <inkml:channel name="Y" type="integer" min="-2.14748E9" max="2.14748E9" units="cm"/>
+        </inkml:traceFormat>
+        <inkml:channelProperties>
+          <inkml:channelProperty channel="X" name="resolution" value="1000" units="1/cm"/>
+          <inkml:channelProperty channel="Y" name="resolution" value="1000" units="1/cm"/>
+        </inkml:channelProperties>
+      </inkml:inkSource>
+      <inkml:timestamp xml:id="ts0" timeString="2022-02-23T18:12:48.559"/>
+    </inkml:context>
+    <inkml:brush xml:id="br0">
+      <inkml:brushProperty name="width" value="0.05" units="cm"/>
+      <inkml:brushProperty name="height" value="0.05" units="cm"/>
+      <inkml:brushProperty name="color" value="#E71224"/>
+      <inkml:brushProperty name="ignorePressure" value="1"/>
+    </inkml:brush>
+  </inkml:definitions>
+  <inkml:trace contextRef="#ctx0" brushRef="#br0">1 0</inkml:trace>
+</inkml:ink>
+</file>
+
+<file path=ppt/ink/ink4.xml><?xml version="1.0" encoding="utf-8"?>
+<inkml:ink xmlns:inkml="http://www.w3.org/2003/InkML">
+  <inkml:definitions>
+    <inkml:context xml:id="ctx0">
+      <inkml:inkSource xml:id="inkSrc0">
+        <inkml:traceFormat>
+          <inkml:channel name="X" type="integer" min="-2.14748E9" max="2.14748E9" units="cm"/>
+          <inkml:channel name="Y" type="integer" min="-2.14748E9" max="2.14748E9" units="cm"/>
+        </inkml:traceFormat>
+        <inkml:channelProperties>
+          <inkml:channelProperty channel="X" name="resolution" value="1000" units="1/cm"/>
+          <inkml:channelProperty channel="Y" name="resolution" value="1000" units="1/cm"/>
+        </inkml:channelProperties>
+      </inkml:inkSource>
       <inkml:timestamp xml:id="ts0" timeString="2022-02-23T18:10:14.581"/>
     </inkml:context>
     <inkml:brush xml:id="br0">
@@ -331,7 +387,7 @@
 </inkml:ink>
 </file>
 
-<file path=ppt/ink/ink3.xml><?xml version="1.0" encoding="utf-8"?>
+<file path=ppt/ink/ink5.xml><?xml version="1.0" encoding="utf-8"?>
 <inkml:ink xmlns:inkml="http://www.w3.org/2003/InkML">
   <inkml:definitions>
     <inkml:context xml:id="ctx0">
@@ -358,34 +414,7 @@
 </inkml:ink>
 </file>
 
-<file path=ppt/ink/ink4.xml><?xml version="1.0" encoding="utf-8"?>
-<inkml:ink xmlns:inkml="http://www.w3.org/2003/InkML">
-  <inkml:definitions>
-    <inkml:context xml:id="ctx0">
-      <inkml:inkSource xml:id="inkSrc0">
-        <inkml:traceFormat>
-          <inkml:channel name="X" type="integer" min="-2.14748E9" max="2.14748E9" units="cm"/>
-          <inkml:channel name="Y" type="integer" min="-2.14748E9" max="2.14748E9" units="cm"/>
-        </inkml:traceFormat>
-        <inkml:channelProperties>
-          <inkml:channelProperty channel="X" name="resolution" value="1000" units="1/cm"/>
-          <inkml:channelProperty channel="Y" name="resolution" value="1000" units="1/cm"/>
-        </inkml:channelProperties>
-      </inkml:inkSource>
-      <inkml:timestamp xml:id="ts0" timeString="2022-02-23T18:12:27.653"/>
-    </inkml:context>
-    <inkml:brush xml:id="br0">
-      <inkml:brushProperty name="width" value="0.05" units="cm"/>
-      <inkml:brushProperty name="height" value="0.05" units="cm"/>
-      <inkml:brushProperty name="color" value="#E71224"/>
-      <inkml:brushProperty name="ignorePressure" value="1"/>
-    </inkml:brush>
-  </inkml:definitions>
-  <inkml:trace contextRef="#ctx0" brushRef="#br0">0 0,'2236'0,"-2391"0,7571 0,-2692 0,-4855 0,2801 0</inkml:trace>
-</inkml:ink>
-</file>
-
-<file path=ppt/ink/ink5.xml><?xml version="1.0" encoding="utf-8"?>
+<file path=ppt/ink/ink6.xml><?xml version="1.0" encoding="utf-8"?>
 <inkml:ink xmlns:inkml="http://www.w3.org/2003/InkML">
   <inkml:definitions>
     <inkml:context xml:id="ctx0">
@@ -409,33 +438,6 @@
     </inkml:brush>
   </inkml:definitions>
   <inkml:trace contextRef="#ctx0" brushRef="#br0">0 83,'0'764,"0"-738</inkml:trace>
-</inkml:ink>
-</file>
-
-<file path=ppt/ink/ink6.xml><?xml version="1.0" encoding="utf-8"?>
-<inkml:ink xmlns:inkml="http://www.w3.org/2003/InkML">
-  <inkml:definitions>
-    <inkml:context xml:id="ctx0">
-      <inkml:inkSource xml:id="inkSrc0">
-        <inkml:traceFormat>
-          <inkml:channel name="X" type="integer" min="-2.14748E9" max="2.14748E9" units="cm"/>
-          <inkml:channel name="Y" type="integer" min="-2.14748E9" max="2.14748E9" units="cm"/>
-        </inkml:traceFormat>
-        <inkml:channelProperties>
-          <inkml:channelProperty channel="X" name="resolution" value="1000" units="1/cm"/>
-          <inkml:channelProperty channel="Y" name="resolution" value="1000" units="1/cm"/>
-        </inkml:channelProperties>
-      </inkml:inkSource>
-      <inkml:timestamp xml:id="ts0" timeString="2022-02-23T18:12:48.559"/>
-    </inkml:context>
-    <inkml:brush xml:id="br0">
-      <inkml:brushProperty name="width" value="0.05" units="cm"/>
-      <inkml:brushProperty name="height" value="0.05" units="cm"/>
-      <inkml:brushProperty name="color" value="#E71224"/>
-      <inkml:brushProperty name="ignorePressure" value="1"/>
-    </inkml:brush>
-  </inkml:definitions>
-  <inkml:trace contextRef="#ctx0" brushRef="#br0">1 0</inkml:trace>
 </inkml:ink>
 </file>
 
@@ -6168,6 +6170,148 @@
   <p:clrMapOvr>
     <a:masterClrMapping/>
   </p:clrMapOvr>
+  <p:timing>
+    <p:tnLst>
+      <p:par>
+        <p:cTn id="1" dur="indefinite" restart="never" nodeType="tmRoot">
+          <p:childTnLst>
+            <p:seq concurrent="1" nextAc="seek">
+              <p:cTn id="2" dur="indefinite" nodeType="mainSeq">
+                <p:childTnLst>
+                  <p:par>
+                    <p:cTn id="3" fill="hold">
+                      <p:stCondLst>
+                        <p:cond delay="indefinite"/>
+                        <p:cond evt="onBegin" delay="0">
+                          <p:tn val="2"/>
+                        </p:cond>
+                      </p:stCondLst>
+                      <p:childTnLst>
+                        <p:par>
+                          <p:cTn id="4" fill="hold">
+                            <p:stCondLst>
+                              <p:cond delay="0"/>
+                            </p:stCondLst>
+                            <p:childTnLst>
+                              <p:par>
+                                <p:cTn id="5" presetID="10" presetClass="entr" presetSubtype="0" fill="hold" grpId="0" nodeType="afterEffect">
+                                  <p:stCondLst>
+                                    <p:cond delay="0"/>
+                                  </p:stCondLst>
+                                  <p:childTnLst>
+                                    <p:set>
+                                      <p:cBhvr>
+                                        <p:cTn id="6" dur="1" fill="hold">
+                                          <p:stCondLst>
+                                            <p:cond delay="0"/>
+                                          </p:stCondLst>
+                                        </p:cTn>
+                                        <p:tgtEl>
+                                          <p:spTgt spid="2"/>
+                                        </p:tgtEl>
+                                        <p:attrNameLst>
+                                          <p:attrName>style.visibility</p:attrName>
+                                        </p:attrNameLst>
+                                      </p:cBhvr>
+                                      <p:to>
+                                        <p:strVal val="visible"/>
+                                      </p:to>
+                                    </p:set>
+                                    <p:animEffect transition="in" filter="fade">
+                                      <p:cBhvr>
+                                        <p:cTn id="7" dur="500"/>
+                                        <p:tgtEl>
+                                          <p:spTgt spid="2"/>
+                                        </p:tgtEl>
+                                      </p:cBhvr>
+                                    </p:animEffect>
+                                  </p:childTnLst>
+                                </p:cTn>
+                              </p:par>
+                            </p:childTnLst>
+                          </p:cTn>
+                        </p:par>
+                      </p:childTnLst>
+                    </p:cTn>
+                  </p:par>
+                  <p:par>
+                    <p:cTn id="8" fill="hold">
+                      <p:stCondLst>
+                        <p:cond delay="indefinite"/>
+                      </p:stCondLst>
+                      <p:childTnLst>
+                        <p:par>
+                          <p:cTn id="9" fill="hold">
+                            <p:stCondLst>
+                              <p:cond delay="0"/>
+                            </p:stCondLst>
+                            <p:childTnLst>
+                              <p:par>
+                                <p:cTn id="10" presetID="10" presetClass="entr" presetSubtype="0" fill="hold" nodeType="clickEffect">
+                                  <p:stCondLst>
+                                    <p:cond delay="0"/>
+                                  </p:stCondLst>
+                                  <p:childTnLst>
+                                    <p:set>
+                                      <p:cBhvr>
+                                        <p:cTn id="11" dur="1" fill="hold">
+                                          <p:stCondLst>
+                                            <p:cond delay="0"/>
+                                          </p:stCondLst>
+                                        </p:cTn>
+                                        <p:tgtEl>
+                                          <p:spTgt spid="8"/>
+                                        </p:tgtEl>
+                                        <p:attrNameLst>
+                                          <p:attrName>style.visibility</p:attrName>
+                                        </p:attrNameLst>
+                                      </p:cBhvr>
+                                      <p:to>
+                                        <p:strVal val="visible"/>
+                                      </p:to>
+                                    </p:set>
+                                    <p:animEffect transition="in" filter="fade">
+                                      <p:cBhvr>
+                                        <p:cTn id="12" dur="500"/>
+                                        <p:tgtEl>
+                                          <p:spTgt spid="8"/>
+                                        </p:tgtEl>
+                                      </p:cBhvr>
+                                    </p:animEffect>
+                                  </p:childTnLst>
+                                </p:cTn>
+                              </p:par>
+                            </p:childTnLst>
+                          </p:cTn>
+                        </p:par>
+                      </p:childTnLst>
+                    </p:cTn>
+                  </p:par>
+                </p:childTnLst>
+              </p:cTn>
+              <p:prevCondLst>
+                <p:cond evt="onPrev" delay="0">
+                  <p:tgtEl>
+                    <p:sldTgt/>
+                  </p:tgtEl>
+                </p:cond>
+              </p:prevCondLst>
+              <p:nextCondLst>
+                <p:cond evt="onNext" delay="0">
+                  <p:tgtEl>
+                    <p:sldTgt/>
+                  </p:tgtEl>
+                </p:cond>
+              </p:nextCondLst>
+            </p:seq>
+          </p:childTnLst>
+        </p:cTn>
+      </p:par>
+    </p:tnLst>
+    <p:bldLst>
+      <p:bldP spid="2" grpId="0"/>
+    </p:bldLst>
+  </p:timing>
 </p:sld>
 </file>
 
@@ -6743,6 +6887,278 @@
   <p:clrMapOvr>
     <a:masterClrMapping/>
   </p:clrMapOvr>
+  <p:timing>
+    <p:tnLst>
+      <p:par>
+        <p:cTn id="1" dur="indefinite" restart="never" nodeType="tmRoot">
+          <p:childTnLst>
+            <p:seq concurrent="1" nextAc="seek">
+              <p:cTn id="2" dur="indefinite" nodeType="mainSeq">
+                <p:childTnLst>
+                  <p:par>
+                    <p:cTn id="3" fill="hold">
+                      <p:stCondLst>
+                        <p:cond delay="indefinite"/>
+                        <p:cond evt="onBegin" delay="0">
+                          <p:tn val="2"/>
+                        </p:cond>
+                      </p:stCondLst>
+                      <p:childTnLst>
+                        <p:par>
+                          <p:cTn id="4" fill="hold">
+                            <p:stCondLst>
+                              <p:cond delay="0"/>
+                            </p:stCondLst>
+                            <p:childTnLst>
+                              <p:par>
+                                <p:cTn id="5" presetID="10" presetClass="entr" presetSubtype="0" fill="hold" grpId="0" nodeType="afterEffect">
+                                  <p:stCondLst>
+                                    <p:cond delay="0"/>
+                                  </p:stCondLst>
+                                  <p:childTnLst>
+                                    <p:set>
+                                      <p:cBhvr>
+                                        <p:cTn id="6" dur="1" fill="hold">
+                                          <p:stCondLst>
+                                            <p:cond delay="0"/>
+                                          </p:stCondLst>
+                                        </p:cTn>
+                                        <p:tgtEl>
+                                          <p:spTgt spid="2"/>
+                                        </p:tgtEl>
+                                        <p:attrNameLst>
+                                          <p:attrName>style.visibility</p:attrName>
+                                        </p:attrNameLst>
+                                      </p:cBhvr>
+                                      <p:to>
+                                        <p:strVal val="visible"/>
+                                      </p:to>
+                                    </p:set>
+                                    <p:animEffect transition="in" filter="fade">
+                                      <p:cBhvr>
+                                        <p:cTn id="7" dur="500"/>
+                                        <p:tgtEl>
+                                          <p:spTgt spid="2"/>
+                                        </p:tgtEl>
+                                      </p:cBhvr>
+                                    </p:animEffect>
+                                  </p:childTnLst>
+                                </p:cTn>
+                              </p:par>
+                            </p:childTnLst>
+                          </p:cTn>
+                        </p:par>
+                      </p:childTnLst>
+                    </p:cTn>
+                  </p:par>
+                  <p:par>
+                    <p:cTn id="8" fill="hold">
+                      <p:stCondLst>
+                        <p:cond delay="indefinite"/>
+                      </p:stCondLst>
+                      <p:childTnLst>
+                        <p:par>
+                          <p:cTn id="9" fill="hold">
+                            <p:stCondLst>
+                              <p:cond delay="0"/>
+                            </p:stCondLst>
+                            <p:childTnLst>
+                              <p:par>
+                                <p:cTn id="10" presetID="10" presetClass="entr" presetSubtype="0" fill="hold" nodeType="clickEffect">
+                                  <p:stCondLst>
+                                    <p:cond delay="0"/>
+                                  </p:stCondLst>
+                                  <p:childTnLst>
+                                    <p:set>
+                                      <p:cBhvr>
+                                        <p:cTn id="11" dur="1" fill="hold">
+                                          <p:stCondLst>
+                                            <p:cond delay="0"/>
+                                          </p:stCondLst>
+                                        </p:cTn>
+                                        <p:tgtEl>
+                                          <p:spTgt spid="3">
+                                            <p:txEl>
+                                              <p:pRg st="0" end="0"/>
+                                            </p:txEl>
+                                          </p:spTgt>
+                                        </p:tgtEl>
+                                        <p:attrNameLst>
+                                          <p:attrName>style.visibility</p:attrName>
+                                        </p:attrNameLst>
+                                      </p:cBhvr>
+                                      <p:to>
+                                        <p:strVal val="visible"/>
+                                      </p:to>
+                                    </p:set>
+                                    <p:animEffect transition="in" filter="fade">
+                                      <p:cBhvr>
+                                        <p:cTn id="12" dur="500"/>
+                                        <p:tgtEl>
+                                          <p:spTgt spid="3">
+                                            <p:txEl>
+                                              <p:pRg st="0" end="0"/>
+                                            </p:txEl>
+                                          </p:spTgt>
+                                        </p:tgtEl>
+                                      </p:cBhvr>
+                                    </p:animEffect>
+                                  </p:childTnLst>
+                                </p:cTn>
+                              </p:par>
+                            </p:childTnLst>
+                          </p:cTn>
+                        </p:par>
+                      </p:childTnLst>
+                    </p:cTn>
+                  </p:par>
+                  <p:par>
+                    <p:cTn id="13" fill="hold">
+                      <p:stCondLst>
+                        <p:cond delay="indefinite"/>
+                      </p:stCondLst>
+                      <p:childTnLst>
+                        <p:par>
+                          <p:cTn id="14" fill="hold">
+                            <p:stCondLst>
+                              <p:cond delay="0"/>
+                            </p:stCondLst>
+                            <p:childTnLst>
+                              <p:par>
+                                <p:cTn id="15" presetID="10" presetClass="entr" presetSubtype="0" fill="hold" nodeType="clickEffect">
+                                  <p:stCondLst>
+                                    <p:cond delay="0"/>
+                                  </p:stCondLst>
+                                  <p:childTnLst>
+                                    <p:set>
+                                      <p:cBhvr>
+                                        <p:cTn id="16" dur="1" fill="hold">
+                                          <p:stCondLst>
+                                            <p:cond delay="0"/>
+                                          </p:stCondLst>
+                                        </p:cTn>
+                                        <p:tgtEl>
+                                          <p:spTgt spid="3">
+                                            <p:txEl>
+                                              <p:pRg st="2" end="2"/>
+                                            </p:txEl>
+                                          </p:spTgt>
+                                        </p:tgtEl>
+                                        <p:attrNameLst>
+                                          <p:attrName>style.visibility</p:attrName>
+                                        </p:attrNameLst>
+                                      </p:cBhvr>
+                                      <p:to>
+                                        <p:strVal val="visible"/>
+                                      </p:to>
+                                    </p:set>
+                                    <p:animEffect transition="in" filter="fade">
+                                      <p:cBhvr>
+                                        <p:cTn id="17" dur="500"/>
+                                        <p:tgtEl>
+                                          <p:spTgt spid="3">
+                                            <p:txEl>
+                                              <p:pRg st="2" end="2"/>
+                                            </p:txEl>
+                                          </p:spTgt>
+                                        </p:tgtEl>
+                                      </p:cBhvr>
+                                    </p:animEffect>
+                                  </p:childTnLst>
+                                </p:cTn>
+                              </p:par>
+                            </p:childTnLst>
+                          </p:cTn>
+                        </p:par>
+                      </p:childTnLst>
+                    </p:cTn>
+                  </p:par>
+                  <p:par>
+                    <p:cTn id="18" fill="hold">
+                      <p:stCondLst>
+                        <p:cond delay="indefinite"/>
+                      </p:stCondLst>
+                      <p:childTnLst>
+                        <p:par>
+                          <p:cTn id="19" fill="hold">
+                            <p:stCondLst>
+                              <p:cond delay="0"/>
+                            </p:stCondLst>
+                            <p:childTnLst>
+                              <p:par>
+                                <p:cTn id="20" presetID="10" presetClass="entr" presetSubtype="0" fill="hold" nodeType="clickEffect">
+                                  <p:stCondLst>
+                                    <p:cond delay="0"/>
+                                  </p:stCondLst>
+                                  <p:childTnLst>
+                                    <p:set>
+                                      <p:cBhvr>
+                                        <p:cTn id="21" dur="1" fill="hold">
+                                          <p:stCondLst>
+                                            <p:cond delay="0"/>
+                                          </p:stCondLst>
+                                        </p:cTn>
+                                        <p:tgtEl>
+                                          <p:spTgt spid="3">
+                                            <p:txEl>
+                                              <p:pRg st="4" end="4"/>
+                                            </p:txEl>
+                                          </p:spTgt>
+                                        </p:tgtEl>
+                                        <p:attrNameLst>
+                                          <p:attrName>style.visibility</p:attrName>
+                                        </p:attrNameLst>
+                                      </p:cBhvr>
+                                      <p:to>
+                                        <p:strVal val="visible"/>
+                                      </p:to>
+                                    </p:set>
+                                    <p:animEffect transition="in" filter="fade">
+                                      <p:cBhvr>
+                                        <p:cTn id="22" dur="500"/>
+                                        <p:tgtEl>
+                                          <p:spTgt spid="3">
+                                            <p:txEl>
+                                              <p:pRg st="4" end="4"/>
+                                            </p:txEl>
+                                          </p:spTgt>
+                                        </p:tgtEl>
+                                      </p:cBhvr>
+                                    </p:animEffect>
+                                  </p:childTnLst>
+                                </p:cTn>
+                              </p:par>
+                            </p:childTnLst>
+                          </p:cTn>
+                        </p:par>
+                      </p:childTnLst>
+                    </p:cTn>
+                  </p:par>
+                </p:childTnLst>
+              </p:cTn>
+              <p:prevCondLst>
+                <p:cond evt="onPrev" delay="0">
+                  <p:tgtEl>
+                    <p:sldTgt/>
+                  </p:tgtEl>
+                </p:cond>
+              </p:prevCondLst>
+              <p:nextCondLst>
+                <p:cond evt="onNext" delay="0">
+                  <p:tgtEl>
+                    <p:sldTgt/>
+                  </p:tgtEl>
+                </p:cond>
+              </p:nextCondLst>
+            </p:seq>
+          </p:childTnLst>
+        </p:cTn>
+      </p:par>
+    </p:tnLst>
+    <p:bldLst>
+      <p:bldP spid="2" grpId="0"/>
+    </p:bldLst>
+  </p:timing>
 </p:sld>
 </file>
 
@@ -7138,7 +7554,7 @@
         </p:blipFill>
         <p:spPr>
           <a:xfrm>
-            <a:off x="1295338" y="1863801"/>
+            <a:off x="1284309" y="1821887"/>
             <a:ext cx="10448814" cy="4440746"/>
           </a:xfrm>
           <a:prstGeom prst="rect">
@@ -7149,108 +7565,6 @@
       <mc:AlternateContent xmlns:mc="http://schemas.openxmlformats.org/markup-compatibility/2006" xmlns:p14="http://schemas.microsoft.com/office/powerpoint/2010/main">
         <mc:Choice Requires="p14">
           <p:contentPart p14:bwMode="auto" r:id="rId4">
-            <p14:nvContentPartPr>
-              <p14:cNvPr id="5" name="Ink 4">
-                <a:extLst>
-                  <a:ext uri="{FF2B5EF4-FFF2-40B4-BE49-F238E27FC236}">
-                    <a16:creationId xmlns:a16="http://schemas.microsoft.com/office/drawing/2014/main" id="{465084A3-AB2B-4868-B23F-9515E03A5703}"/>
-                  </a:ext>
-                </a:extLst>
-              </p14:cNvPr>
-              <p14:cNvContentPartPr/>
-              <p14:nvPr/>
-            </p14:nvContentPartPr>
-            <p14:xfrm>
-              <a:off x="1284309" y="4348749"/>
-              <a:ext cx="6084000" cy="360"/>
-            </p14:xfrm>
-          </p:contentPart>
-        </mc:Choice>
-        <mc:Fallback xmlns="">
-          <p:pic>
-            <p:nvPicPr>
-              <p:cNvPr id="5" name="Ink 4">
-                <a:extLst>
-                  <a:ext uri="{FF2B5EF4-FFF2-40B4-BE49-F238E27FC236}">
-                    <a16:creationId xmlns:a16="http://schemas.microsoft.com/office/drawing/2014/main" id="{465084A3-AB2B-4868-B23F-9515E03A5703}"/>
-                  </a:ext>
-                </a:extLst>
-              </p:cNvPr>
-              <p:cNvPicPr/>
-              <p:nvPr/>
-            </p:nvPicPr>
-            <p:blipFill>
-              <a:blip r:embed="rId5"/>
-              <a:stretch>
-                <a:fillRect/>
-              </a:stretch>
-            </p:blipFill>
-            <p:spPr>
-              <a:xfrm>
-                <a:off x="1275309" y="4339749"/>
-                <a:ext cx="6101640" cy="18000"/>
-              </a:xfrm>
-              <a:prstGeom prst="rect">
-                <a:avLst/>
-              </a:prstGeom>
-            </p:spPr>
-          </p:pic>
-        </mc:Fallback>
-      </mc:AlternateContent>
-      <mc:AlternateContent xmlns:mc="http://schemas.openxmlformats.org/markup-compatibility/2006" xmlns:p14="http://schemas.microsoft.com/office/powerpoint/2010/main">
-        <mc:Choice Requires="p14">
-          <p:contentPart p14:bwMode="auto" r:id="rId6">
-            <p14:nvContentPartPr>
-              <p14:cNvPr id="6" name="Ink 5">
-                <a:extLst>
-                  <a:ext uri="{FF2B5EF4-FFF2-40B4-BE49-F238E27FC236}">
-                    <a16:creationId xmlns:a16="http://schemas.microsoft.com/office/drawing/2014/main" id="{D6CA613D-A3BD-496C-943B-3D5F33D1D98D}"/>
-                  </a:ext>
-                </a:extLst>
-              </p14:cNvPr>
-              <p14:cNvContentPartPr/>
-              <p14:nvPr/>
-            </p14:nvContentPartPr>
-            <p14:xfrm>
-              <a:off x="1294749" y="4066509"/>
-              <a:ext cx="360" cy="260280"/>
-            </p14:xfrm>
-          </p:contentPart>
-        </mc:Choice>
-        <mc:Fallback xmlns="">
-          <p:pic>
-            <p:nvPicPr>
-              <p:cNvPr id="6" name="Ink 5">
-                <a:extLst>
-                  <a:ext uri="{FF2B5EF4-FFF2-40B4-BE49-F238E27FC236}">
-                    <a16:creationId xmlns:a16="http://schemas.microsoft.com/office/drawing/2014/main" id="{D6CA613D-A3BD-496C-943B-3D5F33D1D98D}"/>
-                  </a:ext>
-                </a:extLst>
-              </p:cNvPr>
-              <p:cNvPicPr/>
-              <p:nvPr/>
-            </p:nvPicPr>
-            <p:blipFill>
-              <a:blip r:embed="rId7"/>
-              <a:stretch>
-                <a:fillRect/>
-              </a:stretch>
-            </p:blipFill>
-            <p:spPr>
-              <a:xfrm>
-                <a:off x="1286109" y="4057869"/>
-                <a:ext cx="18000" cy="277920"/>
-              </a:xfrm>
-              <a:prstGeom prst="rect">
-                <a:avLst/>
-              </a:prstGeom>
-            </p:spPr>
-          </p:pic>
-        </mc:Fallback>
-      </mc:AlternateContent>
-      <mc:AlternateContent xmlns:mc="http://schemas.openxmlformats.org/markup-compatibility/2006" xmlns:p14="http://schemas.microsoft.com/office/powerpoint/2010/main">
-        <mc:Choice Requires="p14">
-          <p:contentPart p14:bwMode="auto" r:id="rId8">
             <p14:nvContentPartPr>
               <p14:cNvPr id="18" name="Ink 17">
                 <a:extLst>
@@ -7303,57 +7617,6 @@
         <mc:Choice Requires="p14">
           <p:contentPart p14:bwMode="auto" r:id="rId10">
             <p14:nvContentPartPr>
-              <p14:cNvPr id="17" name="Ink 16">
-                <a:extLst>
-                  <a:ext uri="{FF2B5EF4-FFF2-40B4-BE49-F238E27FC236}">
-                    <a16:creationId xmlns:a16="http://schemas.microsoft.com/office/drawing/2014/main" id="{B26A725C-D4C3-4438-B7AD-F1BAE7E07486}"/>
-                  </a:ext>
-                </a:extLst>
-              </p14:cNvPr>
-              <p14:cNvContentPartPr/>
-              <p14:nvPr/>
-            </p14:nvContentPartPr>
-            <p14:xfrm>
-              <a:off x="7375509" y="4057509"/>
-              <a:ext cx="360" cy="284760"/>
-            </p14:xfrm>
-          </p:contentPart>
-        </mc:Choice>
-        <mc:Fallback xmlns="">
-          <p:pic>
-            <p:nvPicPr>
-              <p:cNvPr id="17" name="Ink 16">
-                <a:extLst>
-                  <a:ext uri="{FF2B5EF4-FFF2-40B4-BE49-F238E27FC236}">
-                    <a16:creationId xmlns:a16="http://schemas.microsoft.com/office/drawing/2014/main" id="{B26A725C-D4C3-4438-B7AD-F1BAE7E07486}"/>
-                  </a:ext>
-                </a:extLst>
-              </p:cNvPr>
-              <p:cNvPicPr/>
-              <p:nvPr/>
-            </p:nvPicPr>
-            <p:blipFill>
-              <a:blip r:embed="rId11"/>
-              <a:stretch>
-                <a:fillRect/>
-              </a:stretch>
-            </p:blipFill>
-            <p:spPr>
-              <a:xfrm>
-                <a:off x="7366509" y="4048509"/>
-                <a:ext cx="18000" cy="302400"/>
-              </a:xfrm>
-              <a:prstGeom prst="rect">
-                <a:avLst/>
-              </a:prstGeom>
-            </p:spPr>
-          </p:pic>
-        </mc:Fallback>
-      </mc:AlternateContent>
-      <mc:AlternateContent xmlns:mc="http://schemas.openxmlformats.org/markup-compatibility/2006" xmlns:p14="http://schemas.microsoft.com/office/powerpoint/2010/main">
-        <mc:Choice Requires="p14">
-          <p:contentPart p14:bwMode="auto" r:id="rId12">
-            <p14:nvContentPartPr>
               <p14:cNvPr id="19" name="Ink 18">
                 <a:extLst>
                   <a:ext uri="{FF2B5EF4-FFF2-40B4-BE49-F238E27FC236}">
@@ -7401,111 +7664,285 @@
           </p:pic>
         </mc:Fallback>
       </mc:AlternateContent>
+      <p:grpSp>
+        <p:nvGrpSpPr>
+          <p:cNvPr id="3" name="Group 2">
+            <a:extLst>
+              <a:ext uri="{FF2B5EF4-FFF2-40B4-BE49-F238E27FC236}">
+                <a16:creationId xmlns:a16="http://schemas.microsoft.com/office/drawing/2014/main" id="{2EF178A2-9478-46A5-A815-00546D92A337}"/>
+              </a:ext>
+            </a:extLst>
+          </p:cNvPr>
+          <p:cNvGrpSpPr/>
+          <p:nvPr/>
+        </p:nvGrpSpPr>
+        <p:grpSpPr>
+          <a:xfrm>
+            <a:off x="1284309" y="4042260"/>
+            <a:ext cx="6097171" cy="306849"/>
+            <a:chOff x="1284309" y="4042260"/>
+            <a:chExt cx="6097171" cy="306849"/>
+          </a:xfrm>
+        </p:grpSpPr>
+        <mc:AlternateContent xmlns:mc="http://schemas.openxmlformats.org/markup-compatibility/2006">
+          <mc:Choice xmlns:p14="http://schemas.microsoft.com/office/powerpoint/2010/main" Requires="p14">
+            <p:contentPart p14:bwMode="auto" r:id="rId14">
+              <p14:nvContentPartPr>
+                <p14:cNvPr id="5" name="Ink 4">
+                  <a:extLst>
+                    <a:ext uri="{FF2B5EF4-FFF2-40B4-BE49-F238E27FC236}">
+                      <a16:creationId xmlns:a16="http://schemas.microsoft.com/office/drawing/2014/main" id="{465084A3-AB2B-4868-B23F-9515E03A5703}"/>
+                    </a:ext>
+                  </a:extLst>
+                </p14:cNvPr>
+                <p14:cNvContentPartPr/>
+                <p14:nvPr/>
+              </p14:nvContentPartPr>
+              <p14:xfrm>
+                <a:off x="1284309" y="4348749"/>
+                <a:ext cx="6084000" cy="360"/>
+              </p14:xfrm>
+            </p:contentPart>
+          </mc:Choice>
+          <mc:Fallback>
+            <p:pic>
+              <p:nvPicPr>
+                <p:cNvPr id="5" name="Ink 4">
+                  <a:extLst>
+                    <a:ext uri="{FF2B5EF4-FFF2-40B4-BE49-F238E27FC236}">
+                      <a16:creationId xmlns:a16="http://schemas.microsoft.com/office/drawing/2014/main" id="{465084A3-AB2B-4868-B23F-9515E03A5703}"/>
+                    </a:ext>
+                  </a:extLst>
+                </p:cNvPr>
+                <p:cNvPicPr/>
+                <p:nvPr/>
+              </p:nvPicPr>
+              <p:blipFill>
+                <a:blip r:embed="rId15"/>
+                <a:stretch>
+                  <a:fillRect/>
+                </a:stretch>
+              </p:blipFill>
+              <p:spPr>
+                <a:xfrm>
+                  <a:off x="1275310" y="4339749"/>
+                  <a:ext cx="6101639" cy="18000"/>
+                </a:xfrm>
+                <a:prstGeom prst="rect">
+                  <a:avLst/>
+                </a:prstGeom>
+              </p:spPr>
+            </p:pic>
+          </mc:Fallback>
+        </mc:AlternateContent>
+        <mc:AlternateContent xmlns:mc="http://schemas.openxmlformats.org/markup-compatibility/2006">
+          <mc:Choice xmlns:p14="http://schemas.microsoft.com/office/powerpoint/2010/main" Requires="p14">
+            <p:contentPart p14:bwMode="auto" r:id="rId16">
+              <p14:nvContentPartPr>
+                <p14:cNvPr id="6" name="Ink 5">
+                  <a:extLst>
+                    <a:ext uri="{FF2B5EF4-FFF2-40B4-BE49-F238E27FC236}">
+                      <a16:creationId xmlns:a16="http://schemas.microsoft.com/office/drawing/2014/main" id="{D6CA613D-A3BD-496C-943B-3D5F33D1D98D}"/>
+                    </a:ext>
+                  </a:extLst>
+                </p14:cNvPr>
+                <p14:cNvContentPartPr/>
+                <p14:nvPr/>
+              </p14:nvContentPartPr>
+              <p14:xfrm>
+                <a:off x="1294749" y="4066509"/>
+                <a:ext cx="360" cy="260280"/>
+              </p14:xfrm>
+            </p:contentPart>
+          </mc:Choice>
+          <mc:Fallback>
+            <p:pic>
+              <p:nvPicPr>
+                <p:cNvPr id="6" name="Ink 5">
+                  <a:extLst>
+                    <a:ext uri="{FF2B5EF4-FFF2-40B4-BE49-F238E27FC236}">
+                      <a16:creationId xmlns:a16="http://schemas.microsoft.com/office/drawing/2014/main" id="{D6CA613D-A3BD-496C-943B-3D5F33D1D98D}"/>
+                    </a:ext>
+                  </a:extLst>
+                </p:cNvPr>
+                <p:cNvPicPr/>
+                <p:nvPr/>
+              </p:nvPicPr>
+              <p:blipFill>
+                <a:blip r:embed="rId17"/>
+                <a:stretch>
+                  <a:fillRect/>
+                </a:stretch>
+              </p:blipFill>
+              <p:spPr>
+                <a:xfrm>
+                  <a:off x="1285749" y="4057509"/>
+                  <a:ext cx="18000" cy="277920"/>
+                </a:xfrm>
+                <a:prstGeom prst="rect">
+                  <a:avLst/>
+                </a:prstGeom>
+              </p:spPr>
+            </p:pic>
+          </mc:Fallback>
+        </mc:AlternateContent>
+        <mc:AlternateContent xmlns:mc="http://schemas.openxmlformats.org/markup-compatibility/2006">
+          <mc:Choice xmlns:p14="http://schemas.microsoft.com/office/powerpoint/2010/main" Requires="p14">
+            <p:contentPart p14:bwMode="auto" r:id="rId18">
+              <p14:nvContentPartPr>
+                <p14:cNvPr id="17" name="Ink 16">
+                  <a:extLst>
+                    <a:ext uri="{FF2B5EF4-FFF2-40B4-BE49-F238E27FC236}">
+                      <a16:creationId xmlns:a16="http://schemas.microsoft.com/office/drawing/2014/main" id="{B26A725C-D4C3-4438-B7AD-F1BAE7E07486}"/>
+                    </a:ext>
+                  </a:extLst>
+                </p14:cNvPr>
+                <p14:cNvContentPartPr/>
+                <p14:nvPr/>
+              </p14:nvContentPartPr>
+              <p14:xfrm>
+                <a:off x="7375509" y="4057509"/>
+                <a:ext cx="360" cy="284760"/>
+              </p14:xfrm>
+            </p:contentPart>
+          </mc:Choice>
+          <mc:Fallback>
+            <p:pic>
+              <p:nvPicPr>
+                <p:cNvPr id="17" name="Ink 16">
+                  <a:extLst>
+                    <a:ext uri="{FF2B5EF4-FFF2-40B4-BE49-F238E27FC236}">
+                      <a16:creationId xmlns:a16="http://schemas.microsoft.com/office/drawing/2014/main" id="{B26A725C-D4C3-4438-B7AD-F1BAE7E07486}"/>
+                    </a:ext>
+                  </a:extLst>
+                </p:cNvPr>
+                <p:cNvPicPr/>
+                <p:nvPr/>
+              </p:nvPicPr>
+              <p:blipFill>
+                <a:blip r:embed="rId19"/>
+                <a:stretch>
+                  <a:fillRect/>
+                </a:stretch>
+              </p:blipFill>
+              <p:spPr>
+                <a:xfrm>
+                  <a:off x="7366509" y="4048509"/>
+                  <a:ext cx="18000" cy="302400"/>
+                </a:xfrm>
+                <a:prstGeom prst="rect">
+                  <a:avLst/>
+                </a:prstGeom>
+              </p:spPr>
+            </p:pic>
+          </mc:Fallback>
+        </mc:AlternateContent>
+        <mc:AlternateContent xmlns:mc="http://schemas.openxmlformats.org/markup-compatibility/2006">
+          <mc:Choice xmlns:p14="http://schemas.microsoft.com/office/powerpoint/2010/main" Requires="p14">
+            <p:contentPart p14:bwMode="auto" r:id="rId20">
+              <p14:nvContentPartPr>
+                <p14:cNvPr id="20" name="Ink 19">
+                  <a:extLst>
+                    <a:ext uri="{FF2B5EF4-FFF2-40B4-BE49-F238E27FC236}">
+                      <a16:creationId xmlns:a16="http://schemas.microsoft.com/office/drawing/2014/main" id="{70B922A0-7419-4DD6-A571-43CFBB91B57A}"/>
+                    </a:ext>
+                  </a:extLst>
+                </p14:cNvPr>
+                <p14:cNvContentPartPr/>
+                <p14:nvPr/>
+              </p14:nvContentPartPr>
+              <p14:xfrm>
+                <a:off x="4107280" y="4042260"/>
+                <a:ext cx="3274200" cy="360"/>
+              </p14:xfrm>
+            </p:contentPart>
+          </mc:Choice>
+          <mc:Fallback>
+            <p:pic>
+              <p:nvPicPr>
+                <p:cNvPr id="20" name="Ink 19">
+                  <a:extLst>
+                    <a:ext uri="{FF2B5EF4-FFF2-40B4-BE49-F238E27FC236}">
+                      <a16:creationId xmlns:a16="http://schemas.microsoft.com/office/drawing/2014/main" id="{70B922A0-7419-4DD6-A571-43CFBB91B57A}"/>
+                    </a:ext>
+                  </a:extLst>
+                </p:cNvPr>
+                <p:cNvPicPr/>
+                <p:nvPr/>
+              </p:nvPicPr>
+              <p:blipFill>
+                <a:blip r:embed="rId21"/>
+                <a:stretch>
+                  <a:fillRect/>
+                </a:stretch>
+              </p:blipFill>
+              <p:spPr>
+                <a:xfrm>
+                  <a:off x="4098281" y="4033260"/>
+                  <a:ext cx="3291838" cy="18000"/>
+                </a:xfrm>
+                <a:prstGeom prst="rect">
+                  <a:avLst/>
+                </a:prstGeom>
+              </p:spPr>
+            </p:pic>
+          </mc:Fallback>
+        </mc:AlternateContent>
+        <mc:AlternateContent xmlns:mc="http://schemas.openxmlformats.org/markup-compatibility/2006">
+          <mc:Choice xmlns:p14="http://schemas.microsoft.com/office/powerpoint/2010/main" Requires="p14">
+            <p:contentPart p14:bwMode="auto" r:id="rId22">
+              <p14:nvContentPartPr>
+                <p14:cNvPr id="22" name="Ink 21">
+                  <a:extLst>
+                    <a:ext uri="{FF2B5EF4-FFF2-40B4-BE49-F238E27FC236}">
+                      <a16:creationId xmlns:a16="http://schemas.microsoft.com/office/drawing/2014/main" id="{69F3CE95-422F-4381-ADAE-1DBF5567A809}"/>
+                    </a:ext>
+                  </a:extLst>
+                </p14:cNvPr>
+                <p14:cNvContentPartPr/>
+                <p14:nvPr/>
+              </p14:nvContentPartPr>
+              <p14:xfrm>
+                <a:off x="1292720" y="4042260"/>
+                <a:ext cx="3004920" cy="360"/>
+              </p14:xfrm>
+            </p:contentPart>
+          </mc:Choice>
+          <mc:Fallback>
+            <p:pic>
+              <p:nvPicPr>
+                <p:cNvPr id="22" name="Ink 21">
+                  <a:extLst>
+                    <a:ext uri="{FF2B5EF4-FFF2-40B4-BE49-F238E27FC236}">
+                      <a16:creationId xmlns:a16="http://schemas.microsoft.com/office/drawing/2014/main" id="{69F3CE95-422F-4381-ADAE-1DBF5567A809}"/>
+                    </a:ext>
+                  </a:extLst>
+                </p:cNvPr>
+                <p:cNvPicPr/>
+                <p:nvPr/>
+              </p:nvPicPr>
+              <p:blipFill>
+                <a:blip r:embed="rId23"/>
+                <a:stretch>
+                  <a:fillRect/>
+                </a:stretch>
+              </p:blipFill>
+              <p:spPr>
+                <a:xfrm>
+                  <a:off x="1283720" y="4033260"/>
+                  <a:ext cx="3022560" cy="18000"/>
+                </a:xfrm>
+                <a:prstGeom prst="rect">
+                  <a:avLst/>
+                </a:prstGeom>
+              </p:spPr>
+            </p:pic>
+          </mc:Fallback>
+        </mc:AlternateContent>
+      </p:grpSp>
       <mc:AlternateContent xmlns:mc="http://schemas.openxmlformats.org/markup-compatibility/2006" xmlns:p14="http://schemas.microsoft.com/office/powerpoint/2010/main">
         <mc:Choice Requires="p14">
-          <p:contentPart p14:bwMode="auto" r:id="rId14">
-            <p14:nvContentPartPr>
-              <p14:cNvPr id="20" name="Ink 19">
-                <a:extLst>
-                  <a:ext uri="{FF2B5EF4-FFF2-40B4-BE49-F238E27FC236}">
-                    <a16:creationId xmlns:a16="http://schemas.microsoft.com/office/drawing/2014/main" id="{70B922A0-7419-4DD6-A571-43CFBB91B57A}"/>
-                  </a:ext>
-                </a:extLst>
-              </p14:cNvPr>
-              <p14:cNvContentPartPr/>
-              <p14:nvPr/>
-            </p14:nvContentPartPr>
-            <p14:xfrm>
-              <a:off x="4107280" y="4042260"/>
-              <a:ext cx="3274200" cy="360"/>
-            </p14:xfrm>
-          </p:contentPart>
-        </mc:Choice>
-        <mc:Fallback xmlns="">
-          <p:pic>
-            <p:nvPicPr>
-              <p:cNvPr id="20" name="Ink 19">
-                <a:extLst>
-                  <a:ext uri="{FF2B5EF4-FFF2-40B4-BE49-F238E27FC236}">
-                    <a16:creationId xmlns:a16="http://schemas.microsoft.com/office/drawing/2014/main" id="{70B922A0-7419-4DD6-A571-43CFBB91B57A}"/>
-                  </a:ext>
-                </a:extLst>
-              </p:cNvPr>
-              <p:cNvPicPr/>
-              <p:nvPr/>
-            </p:nvPicPr>
-            <p:blipFill>
-              <a:blip r:embed="rId15"/>
-              <a:stretch>
-                <a:fillRect/>
-              </a:stretch>
-            </p:blipFill>
-            <p:spPr>
-              <a:xfrm>
-                <a:off x="4098280" y="4033260"/>
-                <a:ext cx="3291840" cy="18000"/>
-              </a:xfrm>
-              <a:prstGeom prst="rect">
-                <a:avLst/>
-              </a:prstGeom>
-            </p:spPr>
-          </p:pic>
-        </mc:Fallback>
-      </mc:AlternateContent>
-      <mc:AlternateContent xmlns:mc="http://schemas.openxmlformats.org/markup-compatibility/2006" xmlns:p14="http://schemas.microsoft.com/office/powerpoint/2010/main">
-        <mc:Choice Requires="p14">
-          <p:contentPart p14:bwMode="auto" r:id="rId16">
-            <p14:nvContentPartPr>
-              <p14:cNvPr id="22" name="Ink 21">
-                <a:extLst>
-                  <a:ext uri="{FF2B5EF4-FFF2-40B4-BE49-F238E27FC236}">
-                    <a16:creationId xmlns:a16="http://schemas.microsoft.com/office/drawing/2014/main" id="{69F3CE95-422F-4381-ADAE-1DBF5567A809}"/>
-                  </a:ext>
-                </a:extLst>
-              </p14:cNvPr>
-              <p14:cNvContentPartPr/>
-              <p14:nvPr/>
-            </p14:nvContentPartPr>
-            <p14:xfrm>
-              <a:off x="1292720" y="4042260"/>
-              <a:ext cx="3004920" cy="360"/>
-            </p14:xfrm>
-          </p:contentPart>
-        </mc:Choice>
-        <mc:Fallback xmlns="">
-          <p:pic>
-            <p:nvPicPr>
-              <p:cNvPr id="22" name="Ink 21">
-                <a:extLst>
-                  <a:ext uri="{FF2B5EF4-FFF2-40B4-BE49-F238E27FC236}">
-                    <a16:creationId xmlns:a16="http://schemas.microsoft.com/office/drawing/2014/main" id="{69F3CE95-422F-4381-ADAE-1DBF5567A809}"/>
-                  </a:ext>
-                </a:extLst>
-              </p:cNvPr>
-              <p:cNvPicPr/>
-              <p:nvPr/>
-            </p:nvPicPr>
-            <p:blipFill>
-              <a:blip r:embed="rId17"/>
-              <a:stretch>
-                <a:fillRect/>
-              </a:stretch>
-            </p:blipFill>
-            <p:spPr>
-              <a:xfrm>
-                <a:off x="1283720" y="4033260"/>
-                <a:ext cx="3022560" cy="18000"/>
-              </a:xfrm>
-              <a:prstGeom prst="rect">
-                <a:avLst/>
-              </a:prstGeom>
-            </p:spPr>
-          </p:pic>
-        </mc:Fallback>
-      </mc:AlternateContent>
-      <mc:AlternateContent xmlns:mc="http://schemas.openxmlformats.org/markup-compatibility/2006" xmlns:p14="http://schemas.microsoft.com/office/powerpoint/2010/main">
-        <mc:Choice Requires="p14">
-          <p:contentPart p14:bwMode="auto" r:id="rId18">
+          <p:contentPart p14:bwMode="auto" r:id="rId24">
             <p14:nvContentPartPr>
               <p14:cNvPr id="24" name="Ink 23">
                 <a:extLst>
@@ -7556,7 +7993,7 @@
       </mc:AlternateContent>
       <mc:AlternateContent xmlns:mc="http://schemas.openxmlformats.org/markup-compatibility/2006" xmlns:p14="http://schemas.microsoft.com/office/powerpoint/2010/main">
         <mc:Choice Requires="p14">
-          <p:contentPart p14:bwMode="auto" r:id="rId19">
+          <p:contentPart p14:bwMode="auto" r:id="rId25">
             <p14:nvContentPartPr>
               <p14:cNvPr id="26" name="Ink 25">
                 <a:extLst>
@@ -7607,7 +8044,7 @@
       </mc:AlternateContent>
       <mc:AlternateContent xmlns:mc="http://schemas.openxmlformats.org/markup-compatibility/2006" xmlns:p14="http://schemas.microsoft.com/office/powerpoint/2010/main">
         <mc:Choice Requires="p14">
-          <p:contentPart p14:bwMode="auto" r:id="rId20">
+          <p:contentPart p14:bwMode="auto" r:id="rId26">
             <p14:nvContentPartPr>
               <p14:cNvPr id="36" name="Ink 35">
                 <a:extLst>
@@ -7658,7 +8095,7 @@
       </mc:AlternateContent>
       <mc:AlternateContent xmlns:mc="http://schemas.openxmlformats.org/markup-compatibility/2006" xmlns:p14="http://schemas.microsoft.com/office/powerpoint/2010/main">
         <mc:Choice Requires="p14">
-          <p:contentPart p14:bwMode="auto" r:id="rId21">
+          <p:contentPart p14:bwMode="auto" r:id="rId27">
             <p14:nvContentPartPr>
               <p14:cNvPr id="37" name="Ink 36">
                 <a:extLst>
@@ -7717,6 +8154,268 @@
   <p:clrMapOvr>
     <a:masterClrMapping/>
   </p:clrMapOvr>
+  <p:timing>
+    <p:tnLst>
+      <p:par>
+        <p:cTn id="1" dur="indefinite" restart="never" nodeType="tmRoot">
+          <p:childTnLst>
+            <p:seq concurrent="1" nextAc="seek">
+              <p:cTn id="2" dur="indefinite" nodeType="mainSeq">
+                <p:childTnLst>
+                  <p:par>
+                    <p:cTn id="3" fill="hold">
+                      <p:stCondLst>
+                        <p:cond delay="indefinite"/>
+                        <p:cond evt="onBegin" delay="0">
+                          <p:tn val="2"/>
+                        </p:cond>
+                      </p:stCondLst>
+                      <p:childTnLst>
+                        <p:par>
+                          <p:cTn id="4" fill="hold">
+                            <p:stCondLst>
+                              <p:cond delay="0"/>
+                            </p:stCondLst>
+                            <p:childTnLst>
+                              <p:par>
+                                <p:cTn id="5" presetID="10" presetClass="entr" presetSubtype="0" fill="hold" grpId="0" nodeType="afterEffect">
+                                  <p:stCondLst>
+                                    <p:cond delay="0"/>
+                                  </p:stCondLst>
+                                  <p:childTnLst>
+                                    <p:set>
+                                      <p:cBhvr>
+                                        <p:cTn id="6" dur="1" fill="hold">
+                                          <p:stCondLst>
+                                            <p:cond delay="0"/>
+                                          </p:stCondLst>
+                                        </p:cTn>
+                                        <p:tgtEl>
+                                          <p:spTgt spid="2"/>
+                                        </p:tgtEl>
+                                        <p:attrNameLst>
+                                          <p:attrName>style.visibility</p:attrName>
+                                        </p:attrNameLst>
+                                      </p:cBhvr>
+                                      <p:to>
+                                        <p:strVal val="visible"/>
+                                      </p:to>
+                                    </p:set>
+                                    <p:animEffect transition="in" filter="fade">
+                                      <p:cBhvr>
+                                        <p:cTn id="7" dur="500"/>
+                                        <p:tgtEl>
+                                          <p:spTgt spid="2"/>
+                                        </p:tgtEl>
+                                      </p:cBhvr>
+                                    </p:animEffect>
+                                  </p:childTnLst>
+                                </p:cTn>
+                              </p:par>
+                            </p:childTnLst>
+                          </p:cTn>
+                        </p:par>
+                      </p:childTnLst>
+                    </p:cTn>
+                  </p:par>
+                  <p:par>
+                    <p:cTn id="8" fill="hold">
+                      <p:stCondLst>
+                        <p:cond delay="indefinite"/>
+                      </p:stCondLst>
+                      <p:childTnLst>
+                        <p:par>
+                          <p:cTn id="9" fill="hold">
+                            <p:stCondLst>
+                              <p:cond delay="0"/>
+                            </p:stCondLst>
+                            <p:childTnLst>
+                              <p:par>
+                                <p:cTn id="10" presetID="2" presetClass="entr" presetSubtype="4" fill="hold" nodeType="clickEffect">
+                                  <p:stCondLst>
+                                    <p:cond delay="0"/>
+                                  </p:stCondLst>
+                                  <p:childTnLst>
+                                    <p:set>
+                                      <p:cBhvr>
+                                        <p:cTn id="11" dur="1" fill="hold">
+                                          <p:stCondLst>
+                                            <p:cond delay="0"/>
+                                          </p:stCondLst>
+                                        </p:cTn>
+                                        <p:tgtEl>
+                                          <p:spTgt spid="9"/>
+                                        </p:tgtEl>
+                                        <p:attrNameLst>
+                                          <p:attrName>style.visibility</p:attrName>
+                                        </p:attrNameLst>
+                                      </p:cBhvr>
+                                      <p:to>
+                                        <p:strVal val="visible"/>
+                                      </p:to>
+                                    </p:set>
+                                    <p:anim calcmode="lin" valueType="num">
+                                      <p:cBhvr additive="base">
+                                        <p:cTn id="12" dur="500" fill="hold"/>
+                                        <p:tgtEl>
+                                          <p:spTgt spid="9"/>
+                                        </p:tgtEl>
+                                        <p:attrNameLst>
+                                          <p:attrName>ppt_x</p:attrName>
+                                        </p:attrNameLst>
+                                      </p:cBhvr>
+                                      <p:tavLst>
+                                        <p:tav tm="0">
+                                          <p:val>
+                                            <p:strVal val="#ppt_x"/>
+                                          </p:val>
+                                        </p:tav>
+                                        <p:tav tm="100000">
+                                          <p:val>
+                                            <p:strVal val="#ppt_x"/>
+                                          </p:val>
+                                        </p:tav>
+                                      </p:tavLst>
+                                    </p:anim>
+                                    <p:anim calcmode="lin" valueType="num">
+                                      <p:cBhvr additive="base">
+                                        <p:cTn id="13" dur="500" fill="hold"/>
+                                        <p:tgtEl>
+                                          <p:spTgt spid="9"/>
+                                        </p:tgtEl>
+                                        <p:attrNameLst>
+                                          <p:attrName>ppt_y</p:attrName>
+                                        </p:attrNameLst>
+                                      </p:cBhvr>
+                                      <p:tavLst>
+                                        <p:tav tm="0">
+                                          <p:val>
+                                            <p:strVal val="1+#ppt_h/2"/>
+                                          </p:val>
+                                        </p:tav>
+                                        <p:tav tm="100000">
+                                          <p:val>
+                                            <p:strVal val="#ppt_y"/>
+                                          </p:val>
+                                        </p:tav>
+                                      </p:tavLst>
+                                    </p:anim>
+                                  </p:childTnLst>
+                                </p:cTn>
+                              </p:par>
+                            </p:childTnLst>
+                          </p:cTn>
+                        </p:par>
+                        <p:par>
+                          <p:cTn id="14" fill="hold">
+                            <p:stCondLst>
+                              <p:cond delay="500"/>
+                            </p:stCondLst>
+                            <p:childTnLst>
+                              <p:par>
+                                <p:cTn id="15" presetID="2" presetClass="entr" presetSubtype="4" fill="hold" nodeType="afterEffect">
+                                  <p:stCondLst>
+                                    <p:cond delay="0"/>
+                                  </p:stCondLst>
+                                  <p:childTnLst>
+                                    <p:set>
+                                      <p:cBhvr>
+                                        <p:cTn id="16" dur="1" fill="hold">
+                                          <p:stCondLst>
+                                            <p:cond delay="0"/>
+                                          </p:stCondLst>
+                                        </p:cTn>
+                                        <p:tgtEl>
+                                          <p:spTgt spid="3"/>
+                                        </p:tgtEl>
+                                        <p:attrNameLst>
+                                          <p:attrName>style.visibility</p:attrName>
+                                        </p:attrNameLst>
+                                      </p:cBhvr>
+                                      <p:to>
+                                        <p:strVal val="visible"/>
+                                      </p:to>
+                                    </p:set>
+                                    <p:anim calcmode="lin" valueType="num">
+                                      <p:cBhvr additive="base">
+                                        <p:cTn id="17" dur="500" fill="hold"/>
+                                        <p:tgtEl>
+                                          <p:spTgt spid="3"/>
+                                        </p:tgtEl>
+                                        <p:attrNameLst>
+                                          <p:attrName>ppt_x</p:attrName>
+                                        </p:attrNameLst>
+                                      </p:cBhvr>
+                                      <p:tavLst>
+                                        <p:tav tm="0">
+                                          <p:val>
+                                            <p:strVal val="#ppt_x"/>
+                                          </p:val>
+                                        </p:tav>
+                                        <p:tav tm="100000">
+                                          <p:val>
+                                            <p:strVal val="#ppt_x"/>
+                                          </p:val>
+                                        </p:tav>
+                                      </p:tavLst>
+                                    </p:anim>
+                                    <p:anim calcmode="lin" valueType="num">
+                                      <p:cBhvr additive="base">
+                                        <p:cTn id="18" dur="500" fill="hold"/>
+                                        <p:tgtEl>
+                                          <p:spTgt spid="3"/>
+                                        </p:tgtEl>
+                                        <p:attrNameLst>
+                                          <p:attrName>ppt_y</p:attrName>
+                                        </p:attrNameLst>
+                                      </p:cBhvr>
+                                      <p:tavLst>
+                                        <p:tav tm="0">
+                                          <p:val>
+                                            <p:strVal val="1+#ppt_h/2"/>
+                                          </p:val>
+                                        </p:tav>
+                                        <p:tav tm="100000">
+                                          <p:val>
+                                            <p:strVal val="#ppt_y"/>
+                                          </p:val>
+                                        </p:tav>
+                                      </p:tavLst>
+                                    </p:anim>
+                                  </p:childTnLst>
+                                </p:cTn>
+                              </p:par>
+                            </p:childTnLst>
+                          </p:cTn>
+                        </p:par>
+                      </p:childTnLst>
+                    </p:cTn>
+                  </p:par>
+                </p:childTnLst>
+              </p:cTn>
+              <p:prevCondLst>
+                <p:cond evt="onPrev" delay="0">
+                  <p:tgtEl>
+                    <p:sldTgt/>
+                  </p:tgtEl>
+                </p:cond>
+              </p:prevCondLst>
+              <p:nextCondLst>
+                <p:cond evt="onNext" delay="0">
+                  <p:tgtEl>
+                    <p:sldTgt/>
+                  </p:tgtEl>
+                </p:cond>
+              </p:nextCondLst>
+            </p:seq>
+          </p:childTnLst>
+        </p:cTn>
+      </p:par>
+    </p:tnLst>
+    <p:bldLst>
+      <p:bldP spid="2" grpId="0"/>
+    </p:bldLst>
+  </p:timing>
 </p:sld>
 </file>
 
@@ -8150,6 +8849,148 @@
   <p:clrMapOvr>
     <a:masterClrMapping/>
   </p:clrMapOvr>
+  <p:timing>
+    <p:tnLst>
+      <p:par>
+        <p:cTn id="1" dur="indefinite" restart="never" nodeType="tmRoot">
+          <p:childTnLst>
+            <p:seq concurrent="1" nextAc="seek">
+              <p:cTn id="2" dur="indefinite" nodeType="mainSeq">
+                <p:childTnLst>
+                  <p:par>
+                    <p:cTn id="3" fill="hold">
+                      <p:stCondLst>
+                        <p:cond delay="indefinite"/>
+                        <p:cond evt="onBegin" delay="0">
+                          <p:tn val="2"/>
+                        </p:cond>
+                      </p:stCondLst>
+                      <p:childTnLst>
+                        <p:par>
+                          <p:cTn id="4" fill="hold">
+                            <p:stCondLst>
+                              <p:cond delay="0"/>
+                            </p:stCondLst>
+                            <p:childTnLst>
+                              <p:par>
+                                <p:cTn id="5" presetID="10" presetClass="entr" presetSubtype="0" fill="hold" grpId="0" nodeType="afterEffect">
+                                  <p:stCondLst>
+                                    <p:cond delay="0"/>
+                                  </p:stCondLst>
+                                  <p:childTnLst>
+                                    <p:set>
+                                      <p:cBhvr>
+                                        <p:cTn id="6" dur="1" fill="hold">
+                                          <p:stCondLst>
+                                            <p:cond delay="0"/>
+                                          </p:stCondLst>
+                                        </p:cTn>
+                                        <p:tgtEl>
+                                          <p:spTgt spid="2"/>
+                                        </p:tgtEl>
+                                        <p:attrNameLst>
+                                          <p:attrName>style.visibility</p:attrName>
+                                        </p:attrNameLst>
+                                      </p:cBhvr>
+                                      <p:to>
+                                        <p:strVal val="visible"/>
+                                      </p:to>
+                                    </p:set>
+                                    <p:animEffect transition="in" filter="fade">
+                                      <p:cBhvr>
+                                        <p:cTn id="7" dur="500"/>
+                                        <p:tgtEl>
+                                          <p:spTgt spid="2"/>
+                                        </p:tgtEl>
+                                      </p:cBhvr>
+                                    </p:animEffect>
+                                  </p:childTnLst>
+                                </p:cTn>
+                              </p:par>
+                            </p:childTnLst>
+                          </p:cTn>
+                        </p:par>
+                      </p:childTnLst>
+                    </p:cTn>
+                  </p:par>
+                  <p:par>
+                    <p:cTn id="8" fill="hold">
+                      <p:stCondLst>
+                        <p:cond delay="indefinite"/>
+                      </p:stCondLst>
+                      <p:childTnLst>
+                        <p:par>
+                          <p:cTn id="9" fill="hold">
+                            <p:stCondLst>
+                              <p:cond delay="0"/>
+                            </p:stCondLst>
+                            <p:childTnLst>
+                              <p:par>
+                                <p:cTn id="10" presetID="10" presetClass="entr" presetSubtype="0" fill="hold" nodeType="clickEffect">
+                                  <p:stCondLst>
+                                    <p:cond delay="0"/>
+                                  </p:stCondLst>
+                                  <p:childTnLst>
+                                    <p:set>
+                                      <p:cBhvr>
+                                        <p:cTn id="11" dur="1" fill="hold">
+                                          <p:stCondLst>
+                                            <p:cond delay="0"/>
+                                          </p:stCondLst>
+                                        </p:cTn>
+                                        <p:tgtEl>
+                                          <p:spTgt spid="4"/>
+                                        </p:tgtEl>
+                                        <p:attrNameLst>
+                                          <p:attrName>style.visibility</p:attrName>
+                                        </p:attrNameLst>
+                                      </p:cBhvr>
+                                      <p:to>
+                                        <p:strVal val="visible"/>
+                                      </p:to>
+                                    </p:set>
+                                    <p:animEffect transition="in" filter="fade">
+                                      <p:cBhvr>
+                                        <p:cTn id="12" dur="500"/>
+                                        <p:tgtEl>
+                                          <p:spTgt spid="4"/>
+                                        </p:tgtEl>
+                                      </p:cBhvr>
+                                    </p:animEffect>
+                                  </p:childTnLst>
+                                </p:cTn>
+                              </p:par>
+                            </p:childTnLst>
+                          </p:cTn>
+                        </p:par>
+                      </p:childTnLst>
+                    </p:cTn>
+                  </p:par>
+                </p:childTnLst>
+              </p:cTn>
+              <p:prevCondLst>
+                <p:cond evt="onPrev" delay="0">
+                  <p:tgtEl>
+                    <p:sldTgt/>
+                  </p:tgtEl>
+                </p:cond>
+              </p:prevCondLst>
+              <p:nextCondLst>
+                <p:cond evt="onNext" delay="0">
+                  <p:tgtEl>
+                    <p:sldTgt/>
+                  </p:tgtEl>
+                </p:cond>
+              </p:nextCondLst>
+            </p:seq>
+          </p:childTnLst>
+        </p:cTn>
+      </p:par>
+    </p:tnLst>
+    <p:bldLst>
+      <p:bldP spid="2" grpId="0"/>
+    </p:bldLst>
+  </p:timing>
 </p:sld>
 </file>
 
@@ -8583,6 +9424,148 @@
   <p:clrMapOvr>
     <a:masterClrMapping/>
   </p:clrMapOvr>
+  <p:timing>
+    <p:tnLst>
+      <p:par>
+        <p:cTn id="1" dur="indefinite" restart="never" nodeType="tmRoot">
+          <p:childTnLst>
+            <p:seq concurrent="1" nextAc="seek">
+              <p:cTn id="2" dur="indefinite" nodeType="mainSeq">
+                <p:childTnLst>
+                  <p:par>
+                    <p:cTn id="3" fill="hold">
+                      <p:stCondLst>
+                        <p:cond delay="indefinite"/>
+                        <p:cond evt="onBegin" delay="0">
+                          <p:tn val="2"/>
+                        </p:cond>
+                      </p:stCondLst>
+                      <p:childTnLst>
+                        <p:par>
+                          <p:cTn id="4" fill="hold">
+                            <p:stCondLst>
+                              <p:cond delay="0"/>
+                            </p:stCondLst>
+                            <p:childTnLst>
+                              <p:par>
+                                <p:cTn id="5" presetID="10" presetClass="entr" presetSubtype="0" fill="hold" grpId="0" nodeType="afterEffect">
+                                  <p:stCondLst>
+                                    <p:cond delay="0"/>
+                                  </p:stCondLst>
+                                  <p:childTnLst>
+                                    <p:set>
+                                      <p:cBhvr>
+                                        <p:cTn id="6" dur="1" fill="hold">
+                                          <p:stCondLst>
+                                            <p:cond delay="0"/>
+                                          </p:stCondLst>
+                                        </p:cTn>
+                                        <p:tgtEl>
+                                          <p:spTgt spid="2"/>
+                                        </p:tgtEl>
+                                        <p:attrNameLst>
+                                          <p:attrName>style.visibility</p:attrName>
+                                        </p:attrNameLst>
+                                      </p:cBhvr>
+                                      <p:to>
+                                        <p:strVal val="visible"/>
+                                      </p:to>
+                                    </p:set>
+                                    <p:animEffect transition="in" filter="fade">
+                                      <p:cBhvr>
+                                        <p:cTn id="7" dur="500"/>
+                                        <p:tgtEl>
+                                          <p:spTgt spid="2"/>
+                                        </p:tgtEl>
+                                      </p:cBhvr>
+                                    </p:animEffect>
+                                  </p:childTnLst>
+                                </p:cTn>
+                              </p:par>
+                            </p:childTnLst>
+                          </p:cTn>
+                        </p:par>
+                      </p:childTnLst>
+                    </p:cTn>
+                  </p:par>
+                  <p:par>
+                    <p:cTn id="8" fill="hold">
+                      <p:stCondLst>
+                        <p:cond delay="indefinite"/>
+                      </p:stCondLst>
+                      <p:childTnLst>
+                        <p:par>
+                          <p:cTn id="9" fill="hold">
+                            <p:stCondLst>
+                              <p:cond delay="0"/>
+                            </p:stCondLst>
+                            <p:childTnLst>
+                              <p:par>
+                                <p:cTn id="10" presetID="10" presetClass="entr" presetSubtype="0" fill="hold" nodeType="clickEffect">
+                                  <p:stCondLst>
+                                    <p:cond delay="0"/>
+                                  </p:stCondLst>
+                                  <p:childTnLst>
+                                    <p:set>
+                                      <p:cBhvr>
+                                        <p:cTn id="11" dur="1" fill="hold">
+                                          <p:stCondLst>
+                                            <p:cond delay="0"/>
+                                          </p:stCondLst>
+                                        </p:cTn>
+                                        <p:tgtEl>
+                                          <p:spTgt spid="8"/>
+                                        </p:tgtEl>
+                                        <p:attrNameLst>
+                                          <p:attrName>style.visibility</p:attrName>
+                                        </p:attrNameLst>
+                                      </p:cBhvr>
+                                      <p:to>
+                                        <p:strVal val="visible"/>
+                                      </p:to>
+                                    </p:set>
+                                    <p:animEffect transition="in" filter="fade">
+                                      <p:cBhvr>
+                                        <p:cTn id="12" dur="500"/>
+                                        <p:tgtEl>
+                                          <p:spTgt spid="8"/>
+                                        </p:tgtEl>
+                                      </p:cBhvr>
+                                    </p:animEffect>
+                                  </p:childTnLst>
+                                </p:cTn>
+                              </p:par>
+                            </p:childTnLst>
+                          </p:cTn>
+                        </p:par>
+                      </p:childTnLst>
+                    </p:cTn>
+                  </p:par>
+                </p:childTnLst>
+              </p:cTn>
+              <p:prevCondLst>
+                <p:cond evt="onPrev" delay="0">
+                  <p:tgtEl>
+                    <p:sldTgt/>
+                  </p:tgtEl>
+                </p:cond>
+              </p:prevCondLst>
+              <p:nextCondLst>
+                <p:cond evt="onNext" delay="0">
+                  <p:tgtEl>
+                    <p:sldTgt/>
+                  </p:tgtEl>
+                </p:cond>
+              </p:nextCondLst>
+            </p:seq>
+          </p:childTnLst>
+        </p:cTn>
+      </p:par>
+    </p:tnLst>
+    <p:bldLst>
+      <p:bldP spid="2" grpId="0"/>
+    </p:bldLst>
+  </p:timing>
 </p:sld>
 </file>
 
@@ -9016,6 +9999,148 @@
   <p:clrMapOvr>
     <a:masterClrMapping/>
   </p:clrMapOvr>
+  <p:timing>
+    <p:tnLst>
+      <p:par>
+        <p:cTn id="1" dur="indefinite" restart="never" nodeType="tmRoot">
+          <p:childTnLst>
+            <p:seq concurrent="1" nextAc="seek">
+              <p:cTn id="2" dur="indefinite" nodeType="mainSeq">
+                <p:childTnLst>
+                  <p:par>
+                    <p:cTn id="3" fill="hold">
+                      <p:stCondLst>
+                        <p:cond delay="indefinite"/>
+                        <p:cond evt="onBegin" delay="0">
+                          <p:tn val="2"/>
+                        </p:cond>
+                      </p:stCondLst>
+                      <p:childTnLst>
+                        <p:par>
+                          <p:cTn id="4" fill="hold">
+                            <p:stCondLst>
+                              <p:cond delay="0"/>
+                            </p:stCondLst>
+                            <p:childTnLst>
+                              <p:par>
+                                <p:cTn id="5" presetID="10" presetClass="entr" presetSubtype="0" fill="hold" grpId="0" nodeType="afterEffect">
+                                  <p:stCondLst>
+                                    <p:cond delay="0"/>
+                                  </p:stCondLst>
+                                  <p:childTnLst>
+                                    <p:set>
+                                      <p:cBhvr>
+                                        <p:cTn id="6" dur="1" fill="hold">
+                                          <p:stCondLst>
+                                            <p:cond delay="0"/>
+                                          </p:stCondLst>
+                                        </p:cTn>
+                                        <p:tgtEl>
+                                          <p:spTgt spid="2"/>
+                                        </p:tgtEl>
+                                        <p:attrNameLst>
+                                          <p:attrName>style.visibility</p:attrName>
+                                        </p:attrNameLst>
+                                      </p:cBhvr>
+                                      <p:to>
+                                        <p:strVal val="visible"/>
+                                      </p:to>
+                                    </p:set>
+                                    <p:animEffect transition="in" filter="fade">
+                                      <p:cBhvr>
+                                        <p:cTn id="7" dur="500"/>
+                                        <p:tgtEl>
+                                          <p:spTgt spid="2"/>
+                                        </p:tgtEl>
+                                      </p:cBhvr>
+                                    </p:animEffect>
+                                  </p:childTnLst>
+                                </p:cTn>
+                              </p:par>
+                            </p:childTnLst>
+                          </p:cTn>
+                        </p:par>
+                      </p:childTnLst>
+                    </p:cTn>
+                  </p:par>
+                  <p:par>
+                    <p:cTn id="8" fill="hold">
+                      <p:stCondLst>
+                        <p:cond delay="indefinite"/>
+                      </p:stCondLst>
+                      <p:childTnLst>
+                        <p:par>
+                          <p:cTn id="9" fill="hold">
+                            <p:stCondLst>
+                              <p:cond delay="0"/>
+                            </p:stCondLst>
+                            <p:childTnLst>
+                              <p:par>
+                                <p:cTn id="10" presetID="10" presetClass="entr" presetSubtype="0" fill="hold" nodeType="clickEffect">
+                                  <p:stCondLst>
+                                    <p:cond delay="0"/>
+                                  </p:stCondLst>
+                                  <p:childTnLst>
+                                    <p:set>
+                                      <p:cBhvr>
+                                        <p:cTn id="11" dur="1" fill="hold">
+                                          <p:stCondLst>
+                                            <p:cond delay="0"/>
+                                          </p:stCondLst>
+                                        </p:cTn>
+                                        <p:tgtEl>
+                                          <p:spTgt spid="9"/>
+                                        </p:tgtEl>
+                                        <p:attrNameLst>
+                                          <p:attrName>style.visibility</p:attrName>
+                                        </p:attrNameLst>
+                                      </p:cBhvr>
+                                      <p:to>
+                                        <p:strVal val="visible"/>
+                                      </p:to>
+                                    </p:set>
+                                    <p:animEffect transition="in" filter="fade">
+                                      <p:cBhvr>
+                                        <p:cTn id="12" dur="500"/>
+                                        <p:tgtEl>
+                                          <p:spTgt spid="9"/>
+                                        </p:tgtEl>
+                                      </p:cBhvr>
+                                    </p:animEffect>
+                                  </p:childTnLst>
+                                </p:cTn>
+                              </p:par>
+                            </p:childTnLst>
+                          </p:cTn>
+                        </p:par>
+                      </p:childTnLst>
+                    </p:cTn>
+                  </p:par>
+                </p:childTnLst>
+              </p:cTn>
+              <p:prevCondLst>
+                <p:cond evt="onPrev" delay="0">
+                  <p:tgtEl>
+                    <p:sldTgt/>
+                  </p:tgtEl>
+                </p:cond>
+              </p:prevCondLst>
+              <p:nextCondLst>
+                <p:cond evt="onNext" delay="0">
+                  <p:tgtEl>
+                    <p:sldTgt/>
+                  </p:tgtEl>
+                </p:cond>
+              </p:nextCondLst>
+            </p:seq>
+          </p:childTnLst>
+        </p:cTn>
+      </p:par>
+    </p:tnLst>
+    <p:bldLst>
+      <p:bldP spid="2" grpId="0"/>
+    </p:bldLst>
+  </p:timing>
 </p:sld>
 </file>
 
@@ -9429,6 +10554,148 @@
   <p:clrMapOvr>
     <a:masterClrMapping/>
   </p:clrMapOvr>
+  <p:timing>
+    <p:tnLst>
+      <p:par>
+        <p:cTn id="1" dur="indefinite" restart="never" nodeType="tmRoot">
+          <p:childTnLst>
+            <p:seq concurrent="1" nextAc="seek">
+              <p:cTn id="2" dur="indefinite" nodeType="mainSeq">
+                <p:childTnLst>
+                  <p:par>
+                    <p:cTn id="3" fill="hold">
+                      <p:stCondLst>
+                        <p:cond delay="indefinite"/>
+                        <p:cond evt="onBegin" delay="0">
+                          <p:tn val="2"/>
+                        </p:cond>
+                      </p:stCondLst>
+                      <p:childTnLst>
+                        <p:par>
+                          <p:cTn id="4" fill="hold">
+                            <p:stCondLst>
+                              <p:cond delay="0"/>
+                            </p:stCondLst>
+                            <p:childTnLst>
+                              <p:par>
+                                <p:cTn id="5" presetID="10" presetClass="entr" presetSubtype="0" fill="hold" grpId="0" nodeType="afterEffect">
+                                  <p:stCondLst>
+                                    <p:cond delay="0"/>
+                                  </p:stCondLst>
+                                  <p:childTnLst>
+                                    <p:set>
+                                      <p:cBhvr>
+                                        <p:cTn id="6" dur="1" fill="hold">
+                                          <p:stCondLst>
+                                            <p:cond delay="0"/>
+                                          </p:stCondLst>
+                                        </p:cTn>
+                                        <p:tgtEl>
+                                          <p:spTgt spid="2"/>
+                                        </p:tgtEl>
+                                        <p:attrNameLst>
+                                          <p:attrName>style.visibility</p:attrName>
+                                        </p:attrNameLst>
+                                      </p:cBhvr>
+                                      <p:to>
+                                        <p:strVal val="visible"/>
+                                      </p:to>
+                                    </p:set>
+                                    <p:animEffect transition="in" filter="fade">
+                                      <p:cBhvr>
+                                        <p:cTn id="7" dur="500"/>
+                                        <p:tgtEl>
+                                          <p:spTgt spid="2"/>
+                                        </p:tgtEl>
+                                      </p:cBhvr>
+                                    </p:animEffect>
+                                  </p:childTnLst>
+                                </p:cTn>
+                              </p:par>
+                            </p:childTnLst>
+                          </p:cTn>
+                        </p:par>
+                      </p:childTnLst>
+                    </p:cTn>
+                  </p:par>
+                  <p:par>
+                    <p:cTn id="8" fill="hold">
+                      <p:stCondLst>
+                        <p:cond delay="indefinite"/>
+                      </p:stCondLst>
+                      <p:childTnLst>
+                        <p:par>
+                          <p:cTn id="9" fill="hold">
+                            <p:stCondLst>
+                              <p:cond delay="0"/>
+                            </p:stCondLst>
+                            <p:childTnLst>
+                              <p:par>
+                                <p:cTn id="10" presetID="10" presetClass="entr" presetSubtype="0" fill="hold" nodeType="clickEffect">
+                                  <p:stCondLst>
+                                    <p:cond delay="0"/>
+                                  </p:stCondLst>
+                                  <p:childTnLst>
+                                    <p:set>
+                                      <p:cBhvr>
+                                        <p:cTn id="11" dur="1" fill="hold">
+                                          <p:stCondLst>
+                                            <p:cond delay="0"/>
+                                          </p:stCondLst>
+                                        </p:cTn>
+                                        <p:tgtEl>
+                                          <p:spTgt spid="8"/>
+                                        </p:tgtEl>
+                                        <p:attrNameLst>
+                                          <p:attrName>style.visibility</p:attrName>
+                                        </p:attrNameLst>
+                                      </p:cBhvr>
+                                      <p:to>
+                                        <p:strVal val="visible"/>
+                                      </p:to>
+                                    </p:set>
+                                    <p:animEffect transition="in" filter="fade">
+                                      <p:cBhvr>
+                                        <p:cTn id="12" dur="500"/>
+                                        <p:tgtEl>
+                                          <p:spTgt spid="8"/>
+                                        </p:tgtEl>
+                                      </p:cBhvr>
+                                    </p:animEffect>
+                                  </p:childTnLst>
+                                </p:cTn>
+                              </p:par>
+                            </p:childTnLst>
+                          </p:cTn>
+                        </p:par>
+                      </p:childTnLst>
+                    </p:cTn>
+                  </p:par>
+                </p:childTnLst>
+              </p:cTn>
+              <p:prevCondLst>
+                <p:cond evt="onPrev" delay="0">
+                  <p:tgtEl>
+                    <p:sldTgt/>
+                  </p:tgtEl>
+                </p:cond>
+              </p:prevCondLst>
+              <p:nextCondLst>
+                <p:cond evt="onNext" delay="0">
+                  <p:tgtEl>
+                    <p:sldTgt/>
+                  </p:tgtEl>
+                </p:cond>
+              </p:nextCondLst>
+            </p:seq>
+          </p:childTnLst>
+        </p:cTn>
+      </p:par>
+    </p:tnLst>
+    <p:bldLst>
+      <p:bldP spid="2" grpId="0"/>
+    </p:bldLst>
+  </p:timing>
 </p:sld>
 </file>
 
@@ -9865,6 +11132,278 @@
   <p:clrMapOvr>
     <a:masterClrMapping/>
   </p:clrMapOvr>
+  <p:timing>
+    <p:tnLst>
+      <p:par>
+        <p:cTn id="1" dur="indefinite" restart="never" nodeType="tmRoot">
+          <p:childTnLst>
+            <p:seq concurrent="1" nextAc="seek">
+              <p:cTn id="2" dur="indefinite" nodeType="mainSeq">
+                <p:childTnLst>
+                  <p:par>
+                    <p:cTn id="3" fill="hold">
+                      <p:stCondLst>
+                        <p:cond delay="indefinite"/>
+                        <p:cond evt="onBegin" delay="0">
+                          <p:tn val="2"/>
+                        </p:cond>
+                      </p:stCondLst>
+                      <p:childTnLst>
+                        <p:par>
+                          <p:cTn id="4" fill="hold">
+                            <p:stCondLst>
+                              <p:cond delay="0"/>
+                            </p:stCondLst>
+                            <p:childTnLst>
+                              <p:par>
+                                <p:cTn id="5" presetID="10" presetClass="entr" presetSubtype="0" fill="hold" grpId="0" nodeType="afterEffect">
+                                  <p:stCondLst>
+                                    <p:cond delay="0"/>
+                                  </p:stCondLst>
+                                  <p:childTnLst>
+                                    <p:set>
+                                      <p:cBhvr>
+                                        <p:cTn id="6" dur="1" fill="hold">
+                                          <p:stCondLst>
+                                            <p:cond delay="0"/>
+                                          </p:stCondLst>
+                                        </p:cTn>
+                                        <p:tgtEl>
+                                          <p:spTgt spid="2"/>
+                                        </p:tgtEl>
+                                        <p:attrNameLst>
+                                          <p:attrName>style.visibility</p:attrName>
+                                        </p:attrNameLst>
+                                      </p:cBhvr>
+                                      <p:to>
+                                        <p:strVal val="visible"/>
+                                      </p:to>
+                                    </p:set>
+                                    <p:animEffect transition="in" filter="fade">
+                                      <p:cBhvr>
+                                        <p:cTn id="7" dur="500"/>
+                                        <p:tgtEl>
+                                          <p:spTgt spid="2"/>
+                                        </p:tgtEl>
+                                      </p:cBhvr>
+                                    </p:animEffect>
+                                  </p:childTnLst>
+                                </p:cTn>
+                              </p:par>
+                            </p:childTnLst>
+                          </p:cTn>
+                        </p:par>
+                      </p:childTnLst>
+                    </p:cTn>
+                  </p:par>
+                  <p:par>
+                    <p:cTn id="8" fill="hold">
+                      <p:stCondLst>
+                        <p:cond delay="indefinite"/>
+                      </p:stCondLst>
+                      <p:childTnLst>
+                        <p:par>
+                          <p:cTn id="9" fill="hold">
+                            <p:stCondLst>
+                              <p:cond delay="0"/>
+                            </p:stCondLst>
+                            <p:childTnLst>
+                              <p:par>
+                                <p:cTn id="10" presetID="10" presetClass="entr" presetSubtype="0" fill="hold" nodeType="clickEffect">
+                                  <p:stCondLst>
+                                    <p:cond delay="0"/>
+                                  </p:stCondLst>
+                                  <p:childTnLst>
+                                    <p:set>
+                                      <p:cBhvr>
+                                        <p:cTn id="11" dur="1" fill="hold">
+                                          <p:stCondLst>
+                                            <p:cond delay="0"/>
+                                          </p:stCondLst>
+                                        </p:cTn>
+                                        <p:tgtEl>
+                                          <p:spTgt spid="9">
+                                            <p:txEl>
+                                              <p:pRg st="0" end="0"/>
+                                            </p:txEl>
+                                          </p:spTgt>
+                                        </p:tgtEl>
+                                        <p:attrNameLst>
+                                          <p:attrName>style.visibility</p:attrName>
+                                        </p:attrNameLst>
+                                      </p:cBhvr>
+                                      <p:to>
+                                        <p:strVal val="visible"/>
+                                      </p:to>
+                                    </p:set>
+                                    <p:animEffect transition="in" filter="fade">
+                                      <p:cBhvr>
+                                        <p:cTn id="12" dur="500"/>
+                                        <p:tgtEl>
+                                          <p:spTgt spid="9">
+                                            <p:txEl>
+                                              <p:pRg st="0" end="0"/>
+                                            </p:txEl>
+                                          </p:spTgt>
+                                        </p:tgtEl>
+                                      </p:cBhvr>
+                                    </p:animEffect>
+                                  </p:childTnLst>
+                                </p:cTn>
+                              </p:par>
+                            </p:childTnLst>
+                          </p:cTn>
+                        </p:par>
+                      </p:childTnLst>
+                    </p:cTn>
+                  </p:par>
+                  <p:par>
+                    <p:cTn id="13" fill="hold">
+                      <p:stCondLst>
+                        <p:cond delay="indefinite"/>
+                      </p:stCondLst>
+                      <p:childTnLst>
+                        <p:par>
+                          <p:cTn id="14" fill="hold">
+                            <p:stCondLst>
+                              <p:cond delay="0"/>
+                            </p:stCondLst>
+                            <p:childTnLst>
+                              <p:par>
+                                <p:cTn id="15" presetID="10" presetClass="entr" presetSubtype="0" fill="hold" nodeType="clickEffect">
+                                  <p:stCondLst>
+                                    <p:cond delay="0"/>
+                                  </p:stCondLst>
+                                  <p:childTnLst>
+                                    <p:set>
+                                      <p:cBhvr>
+                                        <p:cTn id="16" dur="1" fill="hold">
+                                          <p:stCondLst>
+                                            <p:cond delay="0"/>
+                                          </p:stCondLst>
+                                        </p:cTn>
+                                        <p:tgtEl>
+                                          <p:spTgt spid="9">
+                                            <p:txEl>
+                                              <p:pRg st="2" end="2"/>
+                                            </p:txEl>
+                                          </p:spTgt>
+                                        </p:tgtEl>
+                                        <p:attrNameLst>
+                                          <p:attrName>style.visibility</p:attrName>
+                                        </p:attrNameLst>
+                                      </p:cBhvr>
+                                      <p:to>
+                                        <p:strVal val="visible"/>
+                                      </p:to>
+                                    </p:set>
+                                    <p:animEffect transition="in" filter="fade">
+                                      <p:cBhvr>
+                                        <p:cTn id="17" dur="500"/>
+                                        <p:tgtEl>
+                                          <p:spTgt spid="9">
+                                            <p:txEl>
+                                              <p:pRg st="2" end="2"/>
+                                            </p:txEl>
+                                          </p:spTgt>
+                                        </p:tgtEl>
+                                      </p:cBhvr>
+                                    </p:animEffect>
+                                  </p:childTnLst>
+                                </p:cTn>
+                              </p:par>
+                            </p:childTnLst>
+                          </p:cTn>
+                        </p:par>
+                      </p:childTnLst>
+                    </p:cTn>
+                  </p:par>
+                  <p:par>
+                    <p:cTn id="18" fill="hold">
+                      <p:stCondLst>
+                        <p:cond delay="indefinite"/>
+                      </p:stCondLst>
+                      <p:childTnLst>
+                        <p:par>
+                          <p:cTn id="19" fill="hold">
+                            <p:stCondLst>
+                              <p:cond delay="0"/>
+                            </p:stCondLst>
+                            <p:childTnLst>
+                              <p:par>
+                                <p:cTn id="20" presetID="10" presetClass="entr" presetSubtype="0" fill="hold" nodeType="clickEffect">
+                                  <p:stCondLst>
+                                    <p:cond delay="0"/>
+                                  </p:stCondLst>
+                                  <p:childTnLst>
+                                    <p:set>
+                                      <p:cBhvr>
+                                        <p:cTn id="21" dur="1" fill="hold">
+                                          <p:stCondLst>
+                                            <p:cond delay="0"/>
+                                          </p:stCondLst>
+                                        </p:cTn>
+                                        <p:tgtEl>
+                                          <p:spTgt spid="9">
+                                            <p:txEl>
+                                              <p:pRg st="4" end="4"/>
+                                            </p:txEl>
+                                          </p:spTgt>
+                                        </p:tgtEl>
+                                        <p:attrNameLst>
+                                          <p:attrName>style.visibility</p:attrName>
+                                        </p:attrNameLst>
+                                      </p:cBhvr>
+                                      <p:to>
+                                        <p:strVal val="visible"/>
+                                      </p:to>
+                                    </p:set>
+                                    <p:animEffect transition="in" filter="fade">
+                                      <p:cBhvr>
+                                        <p:cTn id="22" dur="500"/>
+                                        <p:tgtEl>
+                                          <p:spTgt spid="9">
+                                            <p:txEl>
+                                              <p:pRg st="4" end="4"/>
+                                            </p:txEl>
+                                          </p:spTgt>
+                                        </p:tgtEl>
+                                      </p:cBhvr>
+                                    </p:animEffect>
+                                  </p:childTnLst>
+                                </p:cTn>
+                              </p:par>
+                            </p:childTnLst>
+                          </p:cTn>
+                        </p:par>
+                      </p:childTnLst>
+                    </p:cTn>
+                  </p:par>
+                </p:childTnLst>
+              </p:cTn>
+              <p:prevCondLst>
+                <p:cond evt="onPrev" delay="0">
+                  <p:tgtEl>
+                    <p:sldTgt/>
+                  </p:tgtEl>
+                </p:cond>
+              </p:prevCondLst>
+              <p:nextCondLst>
+                <p:cond evt="onNext" delay="0">
+                  <p:tgtEl>
+                    <p:sldTgt/>
+                  </p:tgtEl>
+                </p:cond>
+              </p:nextCondLst>
+            </p:seq>
+          </p:childTnLst>
+        </p:cTn>
+      </p:par>
+    </p:tnLst>
+    <p:bldLst>
+      <p:bldP spid="2" grpId="0"/>
+    </p:bldLst>
+  </p:timing>
 </p:sld>
 </file>
 
@@ -10278,6 +11817,148 @@
   <p:clrMapOvr>
     <a:masterClrMapping/>
   </p:clrMapOvr>
+  <p:timing>
+    <p:tnLst>
+      <p:par>
+        <p:cTn id="1" dur="indefinite" restart="never" nodeType="tmRoot">
+          <p:childTnLst>
+            <p:seq concurrent="1" nextAc="seek">
+              <p:cTn id="2" dur="indefinite" nodeType="mainSeq">
+                <p:childTnLst>
+                  <p:par>
+                    <p:cTn id="3" fill="hold">
+                      <p:stCondLst>
+                        <p:cond delay="indefinite"/>
+                        <p:cond evt="onBegin" delay="0">
+                          <p:tn val="2"/>
+                        </p:cond>
+                      </p:stCondLst>
+                      <p:childTnLst>
+                        <p:par>
+                          <p:cTn id="4" fill="hold">
+                            <p:stCondLst>
+                              <p:cond delay="0"/>
+                            </p:stCondLst>
+                            <p:childTnLst>
+                              <p:par>
+                                <p:cTn id="5" presetID="10" presetClass="entr" presetSubtype="0" fill="hold" grpId="0" nodeType="afterEffect">
+                                  <p:stCondLst>
+                                    <p:cond delay="0"/>
+                                  </p:stCondLst>
+                                  <p:childTnLst>
+                                    <p:set>
+                                      <p:cBhvr>
+                                        <p:cTn id="6" dur="1" fill="hold">
+                                          <p:stCondLst>
+                                            <p:cond delay="0"/>
+                                          </p:stCondLst>
+                                        </p:cTn>
+                                        <p:tgtEl>
+                                          <p:spTgt spid="2"/>
+                                        </p:tgtEl>
+                                        <p:attrNameLst>
+                                          <p:attrName>style.visibility</p:attrName>
+                                        </p:attrNameLst>
+                                      </p:cBhvr>
+                                      <p:to>
+                                        <p:strVal val="visible"/>
+                                      </p:to>
+                                    </p:set>
+                                    <p:animEffect transition="in" filter="fade">
+                                      <p:cBhvr>
+                                        <p:cTn id="7" dur="500"/>
+                                        <p:tgtEl>
+                                          <p:spTgt spid="2"/>
+                                        </p:tgtEl>
+                                      </p:cBhvr>
+                                    </p:animEffect>
+                                  </p:childTnLst>
+                                </p:cTn>
+                              </p:par>
+                            </p:childTnLst>
+                          </p:cTn>
+                        </p:par>
+                      </p:childTnLst>
+                    </p:cTn>
+                  </p:par>
+                  <p:par>
+                    <p:cTn id="8" fill="hold">
+                      <p:stCondLst>
+                        <p:cond delay="indefinite"/>
+                      </p:stCondLst>
+                      <p:childTnLst>
+                        <p:par>
+                          <p:cTn id="9" fill="hold">
+                            <p:stCondLst>
+                              <p:cond delay="0"/>
+                            </p:stCondLst>
+                            <p:childTnLst>
+                              <p:par>
+                                <p:cTn id="10" presetID="10" presetClass="entr" presetSubtype="0" fill="hold" nodeType="clickEffect">
+                                  <p:stCondLst>
+                                    <p:cond delay="0"/>
+                                  </p:stCondLst>
+                                  <p:childTnLst>
+                                    <p:set>
+                                      <p:cBhvr>
+                                        <p:cTn id="11" dur="1" fill="hold">
+                                          <p:stCondLst>
+                                            <p:cond delay="0"/>
+                                          </p:stCondLst>
+                                        </p:cTn>
+                                        <p:tgtEl>
+                                          <p:spTgt spid="10"/>
+                                        </p:tgtEl>
+                                        <p:attrNameLst>
+                                          <p:attrName>style.visibility</p:attrName>
+                                        </p:attrNameLst>
+                                      </p:cBhvr>
+                                      <p:to>
+                                        <p:strVal val="visible"/>
+                                      </p:to>
+                                    </p:set>
+                                    <p:animEffect transition="in" filter="fade">
+                                      <p:cBhvr>
+                                        <p:cTn id="12" dur="500"/>
+                                        <p:tgtEl>
+                                          <p:spTgt spid="10"/>
+                                        </p:tgtEl>
+                                      </p:cBhvr>
+                                    </p:animEffect>
+                                  </p:childTnLst>
+                                </p:cTn>
+                              </p:par>
+                            </p:childTnLst>
+                          </p:cTn>
+                        </p:par>
+                      </p:childTnLst>
+                    </p:cTn>
+                  </p:par>
+                </p:childTnLst>
+              </p:cTn>
+              <p:prevCondLst>
+                <p:cond evt="onPrev" delay="0">
+                  <p:tgtEl>
+                    <p:sldTgt/>
+                  </p:tgtEl>
+                </p:cond>
+              </p:prevCondLst>
+              <p:nextCondLst>
+                <p:cond evt="onNext" delay="0">
+                  <p:tgtEl>
+                    <p:sldTgt/>
+                  </p:tgtEl>
+                </p:cond>
+              </p:nextCondLst>
+            </p:seq>
+          </p:childTnLst>
+        </p:cTn>
+      </p:par>
+    </p:tnLst>
+    <p:bldLst>
+      <p:bldP spid="2" grpId="0"/>
+    </p:bldLst>
+  </p:timing>
 </p:sld>
 </file>
 
@@ -10691,6 +12372,148 @@
   <p:clrMapOvr>
     <a:masterClrMapping/>
   </p:clrMapOvr>
+  <p:timing>
+    <p:tnLst>
+      <p:par>
+        <p:cTn id="1" dur="indefinite" restart="never" nodeType="tmRoot">
+          <p:childTnLst>
+            <p:seq concurrent="1" nextAc="seek">
+              <p:cTn id="2" dur="indefinite" nodeType="mainSeq">
+                <p:childTnLst>
+                  <p:par>
+                    <p:cTn id="3" fill="hold">
+                      <p:stCondLst>
+                        <p:cond delay="indefinite"/>
+                        <p:cond evt="onBegin" delay="0">
+                          <p:tn val="2"/>
+                        </p:cond>
+                      </p:stCondLst>
+                      <p:childTnLst>
+                        <p:par>
+                          <p:cTn id="4" fill="hold">
+                            <p:stCondLst>
+                              <p:cond delay="0"/>
+                            </p:stCondLst>
+                            <p:childTnLst>
+                              <p:par>
+                                <p:cTn id="5" presetID="10" presetClass="entr" presetSubtype="0" fill="hold" grpId="0" nodeType="afterEffect">
+                                  <p:stCondLst>
+                                    <p:cond delay="0"/>
+                                  </p:stCondLst>
+                                  <p:childTnLst>
+                                    <p:set>
+                                      <p:cBhvr>
+                                        <p:cTn id="6" dur="1" fill="hold">
+                                          <p:stCondLst>
+                                            <p:cond delay="0"/>
+                                          </p:stCondLst>
+                                        </p:cTn>
+                                        <p:tgtEl>
+                                          <p:spTgt spid="2"/>
+                                        </p:tgtEl>
+                                        <p:attrNameLst>
+                                          <p:attrName>style.visibility</p:attrName>
+                                        </p:attrNameLst>
+                                      </p:cBhvr>
+                                      <p:to>
+                                        <p:strVal val="visible"/>
+                                      </p:to>
+                                    </p:set>
+                                    <p:animEffect transition="in" filter="fade">
+                                      <p:cBhvr>
+                                        <p:cTn id="7" dur="500"/>
+                                        <p:tgtEl>
+                                          <p:spTgt spid="2"/>
+                                        </p:tgtEl>
+                                      </p:cBhvr>
+                                    </p:animEffect>
+                                  </p:childTnLst>
+                                </p:cTn>
+                              </p:par>
+                            </p:childTnLst>
+                          </p:cTn>
+                        </p:par>
+                      </p:childTnLst>
+                    </p:cTn>
+                  </p:par>
+                  <p:par>
+                    <p:cTn id="8" fill="hold">
+                      <p:stCondLst>
+                        <p:cond delay="indefinite"/>
+                      </p:stCondLst>
+                      <p:childTnLst>
+                        <p:par>
+                          <p:cTn id="9" fill="hold">
+                            <p:stCondLst>
+                              <p:cond delay="0"/>
+                            </p:stCondLst>
+                            <p:childTnLst>
+                              <p:par>
+                                <p:cTn id="10" presetID="10" presetClass="entr" presetSubtype="0" fill="hold" nodeType="clickEffect">
+                                  <p:stCondLst>
+                                    <p:cond delay="0"/>
+                                  </p:stCondLst>
+                                  <p:childTnLst>
+                                    <p:set>
+                                      <p:cBhvr>
+                                        <p:cTn id="11" dur="1" fill="hold">
+                                          <p:stCondLst>
+                                            <p:cond delay="0"/>
+                                          </p:stCondLst>
+                                        </p:cTn>
+                                        <p:tgtEl>
+                                          <p:spTgt spid="5"/>
+                                        </p:tgtEl>
+                                        <p:attrNameLst>
+                                          <p:attrName>style.visibility</p:attrName>
+                                        </p:attrNameLst>
+                                      </p:cBhvr>
+                                      <p:to>
+                                        <p:strVal val="visible"/>
+                                      </p:to>
+                                    </p:set>
+                                    <p:animEffect transition="in" filter="fade">
+                                      <p:cBhvr>
+                                        <p:cTn id="12" dur="500"/>
+                                        <p:tgtEl>
+                                          <p:spTgt spid="5"/>
+                                        </p:tgtEl>
+                                      </p:cBhvr>
+                                    </p:animEffect>
+                                  </p:childTnLst>
+                                </p:cTn>
+                              </p:par>
+                            </p:childTnLst>
+                          </p:cTn>
+                        </p:par>
+                      </p:childTnLst>
+                    </p:cTn>
+                  </p:par>
+                </p:childTnLst>
+              </p:cTn>
+              <p:prevCondLst>
+                <p:cond evt="onPrev" delay="0">
+                  <p:tgtEl>
+                    <p:sldTgt/>
+                  </p:tgtEl>
+                </p:cond>
+              </p:prevCondLst>
+              <p:nextCondLst>
+                <p:cond evt="onNext" delay="0">
+                  <p:tgtEl>
+                    <p:sldTgt/>
+                  </p:tgtEl>
+                </p:cond>
+              </p:nextCondLst>
+            </p:seq>
+          </p:childTnLst>
+        </p:cTn>
+      </p:par>
+    </p:tnLst>
+    <p:bldLst>
+      <p:bldP spid="2" grpId="0"/>
+    </p:bldLst>
+  </p:timing>
 </p:sld>
 </file>
 
@@ -11349,7 +13172,7 @@
                                         <p:tgtEl>
                                           <p:spTgt spid="3">
                                             <p:txEl>
-                                              <p:pRg st="1" end="1"/>
+                                              <p:pRg st="0" end="0"/>
                                             </p:txEl>
                                           </p:spTgt>
                                         </p:tgtEl>
@@ -11367,7 +13190,7 @@
                                         <p:tgtEl>
                                           <p:spTgt spid="3">
                                             <p:txEl>
-                                              <p:pRg st="1" end="1"/>
+                                              <p:pRg st="0" end="0"/>
                                             </p:txEl>
                                           </p:spTgt>
                                         </p:tgtEl>
@@ -11410,7 +13233,7 @@
                                         <p:tgtEl>
                                           <p:spTgt spid="3">
                                             <p:txEl>
-                                              <p:pRg st="0" end="0"/>
+                                              <p:pRg st="1" end="1"/>
                                             </p:txEl>
                                           </p:spTgt>
                                         </p:tgtEl>
@@ -11428,7 +13251,7 @@
                                         <p:tgtEl>
                                           <p:spTgt spid="3">
                                             <p:txEl>
-                                              <p:pRg st="0" end="0"/>
+                                              <p:pRg st="1" end="1"/>
                                             </p:txEl>
                                           </p:spTgt>
                                         </p:tgtEl>
@@ -12436,6 +14259,331 @@
   <p:clrMapOvr>
     <a:masterClrMapping/>
   </p:clrMapOvr>
+  <p:timing>
+    <p:tnLst>
+      <p:par>
+        <p:cTn id="1" dur="indefinite" restart="never" nodeType="tmRoot">
+          <p:childTnLst>
+            <p:seq concurrent="1" nextAc="seek">
+              <p:cTn id="2" dur="indefinite" nodeType="mainSeq">
+                <p:childTnLst>
+                  <p:par>
+                    <p:cTn id="3" fill="hold">
+                      <p:stCondLst>
+                        <p:cond delay="indefinite"/>
+                        <p:cond evt="onBegin" delay="0">
+                          <p:tn val="2"/>
+                        </p:cond>
+                      </p:stCondLst>
+                      <p:childTnLst>
+                        <p:par>
+                          <p:cTn id="4" fill="hold">
+                            <p:stCondLst>
+                              <p:cond delay="0"/>
+                            </p:stCondLst>
+                            <p:childTnLst>
+                              <p:par>
+                                <p:cTn id="5" presetID="10" presetClass="entr" presetSubtype="0" fill="hold" grpId="0" nodeType="afterEffect">
+                                  <p:stCondLst>
+                                    <p:cond delay="0"/>
+                                  </p:stCondLst>
+                                  <p:childTnLst>
+                                    <p:set>
+                                      <p:cBhvr>
+                                        <p:cTn id="6" dur="1" fill="hold">
+                                          <p:stCondLst>
+                                            <p:cond delay="0"/>
+                                          </p:stCondLst>
+                                        </p:cTn>
+                                        <p:tgtEl>
+                                          <p:spTgt spid="2"/>
+                                        </p:tgtEl>
+                                        <p:attrNameLst>
+                                          <p:attrName>style.visibility</p:attrName>
+                                        </p:attrNameLst>
+                                      </p:cBhvr>
+                                      <p:to>
+                                        <p:strVal val="visible"/>
+                                      </p:to>
+                                    </p:set>
+                                    <p:animEffect transition="in" filter="fade">
+                                      <p:cBhvr>
+                                        <p:cTn id="7" dur="500"/>
+                                        <p:tgtEl>
+                                          <p:spTgt spid="2"/>
+                                        </p:tgtEl>
+                                      </p:cBhvr>
+                                    </p:animEffect>
+                                  </p:childTnLst>
+                                </p:cTn>
+                              </p:par>
+                            </p:childTnLst>
+                          </p:cTn>
+                        </p:par>
+                      </p:childTnLst>
+                    </p:cTn>
+                  </p:par>
+                  <p:par>
+                    <p:cTn id="8" fill="hold">
+                      <p:stCondLst>
+                        <p:cond delay="indefinite"/>
+                      </p:stCondLst>
+                      <p:childTnLst>
+                        <p:par>
+                          <p:cTn id="9" fill="hold">
+                            <p:stCondLst>
+                              <p:cond delay="0"/>
+                            </p:stCondLst>
+                            <p:childTnLst>
+                              <p:par>
+                                <p:cTn id="10" presetID="10" presetClass="entr" presetSubtype="0" fill="hold" nodeType="clickEffect">
+                                  <p:stCondLst>
+                                    <p:cond delay="0"/>
+                                  </p:stCondLst>
+                                  <p:childTnLst>
+                                    <p:set>
+                                      <p:cBhvr>
+                                        <p:cTn id="11" dur="1" fill="hold">
+                                          <p:stCondLst>
+                                            <p:cond delay="0"/>
+                                          </p:stCondLst>
+                                        </p:cTn>
+                                        <p:tgtEl>
+                                          <p:spTgt spid="15"/>
+                                        </p:tgtEl>
+                                        <p:attrNameLst>
+                                          <p:attrName>style.visibility</p:attrName>
+                                        </p:attrNameLst>
+                                      </p:cBhvr>
+                                      <p:to>
+                                        <p:strVal val="visible"/>
+                                      </p:to>
+                                    </p:set>
+                                    <p:animEffect transition="in" filter="fade">
+                                      <p:cBhvr>
+                                        <p:cTn id="12" dur="500"/>
+                                        <p:tgtEl>
+                                          <p:spTgt spid="15"/>
+                                        </p:tgtEl>
+                                      </p:cBhvr>
+                                    </p:animEffect>
+                                  </p:childTnLst>
+                                </p:cTn>
+                              </p:par>
+                            </p:childTnLst>
+                          </p:cTn>
+                        </p:par>
+                      </p:childTnLst>
+                    </p:cTn>
+                  </p:par>
+                  <p:par>
+                    <p:cTn id="13" fill="hold">
+                      <p:stCondLst>
+                        <p:cond delay="indefinite"/>
+                      </p:stCondLst>
+                      <p:childTnLst>
+                        <p:par>
+                          <p:cTn id="14" fill="hold">
+                            <p:stCondLst>
+                              <p:cond delay="0"/>
+                            </p:stCondLst>
+                            <p:childTnLst>
+                              <p:par>
+                                <p:cTn id="15" presetID="2" presetClass="entr" presetSubtype="4" fill="hold" nodeType="clickEffect">
+                                  <p:stCondLst>
+                                    <p:cond delay="0"/>
+                                  </p:stCondLst>
+                                  <p:childTnLst>
+                                    <p:set>
+                                      <p:cBhvr>
+                                        <p:cTn id="16" dur="1" fill="hold">
+                                          <p:stCondLst>
+                                            <p:cond delay="0"/>
+                                          </p:stCondLst>
+                                        </p:cTn>
+                                        <p:tgtEl>
+                                          <p:spTgt spid="11"/>
+                                        </p:tgtEl>
+                                        <p:attrNameLst>
+                                          <p:attrName>style.visibility</p:attrName>
+                                        </p:attrNameLst>
+                                      </p:cBhvr>
+                                      <p:to>
+                                        <p:strVal val="visible"/>
+                                      </p:to>
+                                    </p:set>
+                                    <p:anim calcmode="lin" valueType="num">
+                                      <p:cBhvr additive="base">
+                                        <p:cTn id="17" dur="500" fill="hold"/>
+                                        <p:tgtEl>
+                                          <p:spTgt spid="11"/>
+                                        </p:tgtEl>
+                                        <p:attrNameLst>
+                                          <p:attrName>ppt_x</p:attrName>
+                                        </p:attrNameLst>
+                                      </p:cBhvr>
+                                      <p:tavLst>
+                                        <p:tav tm="0">
+                                          <p:val>
+                                            <p:strVal val="#ppt_x"/>
+                                          </p:val>
+                                        </p:tav>
+                                        <p:tav tm="100000">
+                                          <p:val>
+                                            <p:strVal val="#ppt_x"/>
+                                          </p:val>
+                                        </p:tav>
+                                      </p:tavLst>
+                                    </p:anim>
+                                    <p:anim calcmode="lin" valueType="num">
+                                      <p:cBhvr additive="base">
+                                        <p:cTn id="18" dur="500" fill="hold"/>
+                                        <p:tgtEl>
+                                          <p:spTgt spid="11"/>
+                                        </p:tgtEl>
+                                        <p:attrNameLst>
+                                          <p:attrName>ppt_y</p:attrName>
+                                        </p:attrNameLst>
+                                      </p:cBhvr>
+                                      <p:tavLst>
+                                        <p:tav tm="0">
+                                          <p:val>
+                                            <p:strVal val="1+#ppt_h/2"/>
+                                          </p:val>
+                                        </p:tav>
+                                        <p:tav tm="100000">
+                                          <p:val>
+                                            <p:strVal val="#ppt_y"/>
+                                          </p:val>
+                                        </p:tav>
+                                      </p:tavLst>
+                                    </p:anim>
+                                  </p:childTnLst>
+                                </p:cTn>
+                              </p:par>
+                            </p:childTnLst>
+                          </p:cTn>
+                        </p:par>
+                      </p:childTnLst>
+                    </p:cTn>
+                  </p:par>
+                  <p:par>
+                    <p:cTn id="19" fill="hold">
+                      <p:stCondLst>
+                        <p:cond delay="indefinite"/>
+                      </p:stCondLst>
+                      <p:childTnLst>
+                        <p:par>
+                          <p:cTn id="20" fill="hold">
+                            <p:stCondLst>
+                              <p:cond delay="0"/>
+                            </p:stCondLst>
+                            <p:childTnLst>
+                              <p:par>
+                                <p:cTn id="21" presetID="2" presetClass="entr" presetSubtype="4" fill="hold" grpId="0" nodeType="clickEffect">
+                                  <p:stCondLst>
+                                    <p:cond delay="0"/>
+                                  </p:stCondLst>
+                                  <p:childTnLst>
+                                    <p:set>
+                                      <p:cBhvr>
+                                        <p:cTn id="22" dur="1" fill="hold">
+                                          <p:stCondLst>
+                                            <p:cond delay="0"/>
+                                          </p:stCondLst>
+                                        </p:cTn>
+                                        <p:tgtEl>
+                                          <p:spTgt spid="13"/>
+                                        </p:tgtEl>
+                                        <p:attrNameLst>
+                                          <p:attrName>style.visibility</p:attrName>
+                                        </p:attrNameLst>
+                                      </p:cBhvr>
+                                      <p:to>
+                                        <p:strVal val="visible"/>
+                                      </p:to>
+                                    </p:set>
+                                    <p:anim calcmode="lin" valueType="num">
+                                      <p:cBhvr additive="base">
+                                        <p:cTn id="23" dur="500" fill="hold"/>
+                                        <p:tgtEl>
+                                          <p:spTgt spid="13"/>
+                                        </p:tgtEl>
+                                        <p:attrNameLst>
+                                          <p:attrName>ppt_x</p:attrName>
+                                        </p:attrNameLst>
+                                      </p:cBhvr>
+                                      <p:tavLst>
+                                        <p:tav tm="0">
+                                          <p:val>
+                                            <p:strVal val="#ppt_x"/>
+                                          </p:val>
+                                        </p:tav>
+                                        <p:tav tm="100000">
+                                          <p:val>
+                                            <p:strVal val="#ppt_x"/>
+                                          </p:val>
+                                        </p:tav>
+                                      </p:tavLst>
+                                    </p:anim>
+                                    <p:anim calcmode="lin" valueType="num">
+                                      <p:cBhvr additive="base">
+                                        <p:cTn id="24" dur="500" fill="hold"/>
+                                        <p:tgtEl>
+                                          <p:spTgt spid="13"/>
+                                        </p:tgtEl>
+                                        <p:attrNameLst>
+                                          <p:attrName>ppt_y</p:attrName>
+                                        </p:attrNameLst>
+                                      </p:cBhvr>
+                                      <p:tavLst>
+                                        <p:tav tm="0">
+                                          <p:val>
+                                            <p:strVal val="1+#ppt_h/2"/>
+                                          </p:val>
+                                        </p:tav>
+                                        <p:tav tm="100000">
+                                          <p:val>
+                                            <p:strVal val="#ppt_y"/>
+                                          </p:val>
+                                        </p:tav>
+                                      </p:tavLst>
+                                    </p:anim>
+                                  </p:childTnLst>
+                                </p:cTn>
+                              </p:par>
+                            </p:childTnLst>
+                          </p:cTn>
+                        </p:par>
+                      </p:childTnLst>
+                    </p:cTn>
+                  </p:par>
+                </p:childTnLst>
+              </p:cTn>
+              <p:prevCondLst>
+                <p:cond evt="onPrev" delay="0">
+                  <p:tgtEl>
+                    <p:sldTgt/>
+                  </p:tgtEl>
+                </p:cond>
+              </p:prevCondLst>
+              <p:nextCondLst>
+                <p:cond evt="onNext" delay="0">
+                  <p:tgtEl>
+                    <p:sldTgt/>
+                  </p:tgtEl>
+                </p:cond>
+              </p:nextCondLst>
+            </p:seq>
+          </p:childTnLst>
+        </p:cTn>
+      </p:par>
+    </p:tnLst>
+    <p:bldLst>
+      <p:bldP spid="2" grpId="0"/>
+      <p:bldP spid="13" grpId="0"/>
+    </p:bldLst>
+  </p:timing>
 </p:sld>
 </file>
 
@@ -12809,8 +14957,8 @@
           </a:p>
         </p:txBody>
       </p:sp>
-      <mc:AlternateContent xmlns:mc="http://schemas.openxmlformats.org/markup-compatibility/2006">
-        <mc:Choice xmlns:p14="http://schemas.microsoft.com/office/powerpoint/2010/main" Requires="p14">
+      <mc:AlternateContent xmlns:mc="http://schemas.openxmlformats.org/markup-compatibility/2006" xmlns:p14="http://schemas.microsoft.com/office/powerpoint/2010/main">
+        <mc:Choice Requires="p14">
           <p:contentPart p14:bwMode="auto" r:id="rId2">
             <p14:nvContentPartPr>
               <p14:cNvPr id="8" name="Ink 7">
@@ -12829,7 +14977,7 @@
             </p14:xfrm>
           </p:contentPart>
         </mc:Choice>
-        <mc:Fallback>
+        <mc:Fallback xmlns="">
           <p:pic>
             <p:nvPicPr>
               <p:cNvPr id="8" name="Ink 7">
@@ -12981,6 +15129,255 @@
   <p:clrMapOvr>
     <a:masterClrMapping/>
   </p:clrMapOvr>
+  <p:timing>
+    <p:tnLst>
+      <p:par>
+        <p:cTn id="1" dur="indefinite" restart="never" nodeType="tmRoot">
+          <p:childTnLst>
+            <p:seq concurrent="1" nextAc="seek">
+              <p:cTn id="2" dur="indefinite" nodeType="mainSeq">
+                <p:childTnLst>
+                  <p:par>
+                    <p:cTn id="3" fill="hold">
+                      <p:stCondLst>
+                        <p:cond delay="indefinite"/>
+                        <p:cond evt="onBegin" delay="0">
+                          <p:tn val="2"/>
+                        </p:cond>
+                      </p:stCondLst>
+                      <p:childTnLst>
+                        <p:par>
+                          <p:cTn id="4" fill="hold">
+                            <p:stCondLst>
+                              <p:cond delay="0"/>
+                            </p:stCondLst>
+                            <p:childTnLst>
+                              <p:par>
+                                <p:cTn id="5" presetID="10" presetClass="entr" presetSubtype="0" fill="hold" grpId="0" nodeType="afterEffect">
+                                  <p:stCondLst>
+                                    <p:cond delay="0"/>
+                                  </p:stCondLst>
+                                  <p:childTnLst>
+                                    <p:set>
+                                      <p:cBhvr>
+                                        <p:cTn id="6" dur="1" fill="hold">
+                                          <p:stCondLst>
+                                            <p:cond delay="0"/>
+                                          </p:stCondLst>
+                                        </p:cTn>
+                                        <p:tgtEl>
+                                          <p:spTgt spid="2"/>
+                                        </p:tgtEl>
+                                        <p:attrNameLst>
+                                          <p:attrName>style.visibility</p:attrName>
+                                        </p:attrNameLst>
+                                      </p:cBhvr>
+                                      <p:to>
+                                        <p:strVal val="visible"/>
+                                      </p:to>
+                                    </p:set>
+                                    <p:animEffect transition="in" filter="fade">
+                                      <p:cBhvr>
+                                        <p:cTn id="7" dur="500"/>
+                                        <p:tgtEl>
+                                          <p:spTgt spid="2"/>
+                                        </p:tgtEl>
+                                      </p:cBhvr>
+                                    </p:animEffect>
+                                  </p:childTnLst>
+                                </p:cTn>
+                              </p:par>
+                            </p:childTnLst>
+                          </p:cTn>
+                        </p:par>
+                      </p:childTnLst>
+                    </p:cTn>
+                  </p:par>
+                  <p:par>
+                    <p:cTn id="8" fill="hold">
+                      <p:stCondLst>
+                        <p:cond delay="indefinite"/>
+                      </p:stCondLst>
+                      <p:childTnLst>
+                        <p:par>
+                          <p:cTn id="9" fill="hold">
+                            <p:stCondLst>
+                              <p:cond delay="0"/>
+                            </p:stCondLst>
+                            <p:childTnLst>
+                              <p:par>
+                                <p:cTn id="10" presetID="10" presetClass="entr" presetSubtype="0" fill="hold" nodeType="clickEffect">
+                                  <p:stCondLst>
+                                    <p:cond delay="0"/>
+                                  </p:stCondLst>
+                                  <p:childTnLst>
+                                    <p:set>
+                                      <p:cBhvr>
+                                        <p:cTn id="11" dur="1" fill="hold">
+                                          <p:stCondLst>
+                                            <p:cond delay="0"/>
+                                          </p:stCondLst>
+                                        </p:cTn>
+                                        <p:tgtEl>
+                                          <p:spTgt spid="17"/>
+                                        </p:tgtEl>
+                                        <p:attrNameLst>
+                                          <p:attrName>style.visibility</p:attrName>
+                                        </p:attrNameLst>
+                                      </p:cBhvr>
+                                      <p:to>
+                                        <p:strVal val="visible"/>
+                                      </p:to>
+                                    </p:set>
+                                    <p:animEffect transition="in" filter="fade">
+                                      <p:cBhvr>
+                                        <p:cTn id="12" dur="500"/>
+                                        <p:tgtEl>
+                                          <p:spTgt spid="17"/>
+                                        </p:tgtEl>
+                                      </p:cBhvr>
+                                    </p:animEffect>
+                                  </p:childTnLst>
+                                </p:cTn>
+                              </p:par>
+                            </p:childTnLst>
+                          </p:cTn>
+                        </p:par>
+                      </p:childTnLst>
+                    </p:cTn>
+                  </p:par>
+                  <p:par>
+                    <p:cTn id="13" fill="hold">
+                      <p:stCondLst>
+                        <p:cond delay="indefinite"/>
+                      </p:stCondLst>
+                      <p:childTnLst>
+                        <p:par>
+                          <p:cTn id="14" fill="hold">
+                            <p:stCondLst>
+                              <p:cond delay="0"/>
+                            </p:stCondLst>
+                            <p:childTnLst>
+                              <p:par>
+                                <p:cTn id="15" presetID="10" presetClass="entr" presetSubtype="0" fill="hold" nodeType="clickEffect">
+                                  <p:stCondLst>
+                                    <p:cond delay="0"/>
+                                  </p:stCondLst>
+                                  <p:childTnLst>
+                                    <p:set>
+                                      <p:cBhvr>
+                                        <p:cTn id="16" dur="1" fill="hold">
+                                          <p:stCondLst>
+                                            <p:cond delay="0"/>
+                                          </p:stCondLst>
+                                        </p:cTn>
+                                        <p:tgtEl>
+                                          <p:spTgt spid="18"/>
+                                        </p:tgtEl>
+                                        <p:attrNameLst>
+                                          <p:attrName>style.visibility</p:attrName>
+                                        </p:attrNameLst>
+                                      </p:cBhvr>
+                                      <p:to>
+                                        <p:strVal val="visible"/>
+                                      </p:to>
+                                    </p:set>
+                                    <p:animEffect transition="in" filter="fade">
+                                      <p:cBhvr>
+                                        <p:cTn id="17" dur="500"/>
+                                        <p:tgtEl>
+                                          <p:spTgt spid="18"/>
+                                        </p:tgtEl>
+                                      </p:cBhvr>
+                                    </p:animEffect>
+                                  </p:childTnLst>
+                                </p:cTn>
+                              </p:par>
+                            </p:childTnLst>
+                          </p:cTn>
+                        </p:par>
+                      </p:childTnLst>
+                    </p:cTn>
+                  </p:par>
+                  <p:par>
+                    <p:cTn id="18" fill="hold">
+                      <p:stCondLst>
+                        <p:cond delay="indefinite"/>
+                      </p:stCondLst>
+                      <p:childTnLst>
+                        <p:par>
+                          <p:cTn id="19" fill="hold">
+                            <p:stCondLst>
+                              <p:cond delay="0"/>
+                            </p:stCondLst>
+                            <p:childTnLst>
+                              <p:par>
+                                <p:cTn id="20" presetID="10" presetClass="entr" presetSubtype="0" fill="hold" grpId="0" nodeType="clickEffect">
+                                  <p:stCondLst>
+                                    <p:cond delay="0"/>
+                                  </p:stCondLst>
+                                  <p:childTnLst>
+                                    <p:set>
+                                      <p:cBhvr>
+                                        <p:cTn id="21" dur="1" fill="hold">
+                                          <p:stCondLst>
+                                            <p:cond delay="0"/>
+                                          </p:stCondLst>
+                                        </p:cTn>
+                                        <p:tgtEl>
+                                          <p:spTgt spid="19"/>
+                                        </p:tgtEl>
+                                        <p:attrNameLst>
+                                          <p:attrName>style.visibility</p:attrName>
+                                        </p:attrNameLst>
+                                      </p:cBhvr>
+                                      <p:to>
+                                        <p:strVal val="visible"/>
+                                      </p:to>
+                                    </p:set>
+                                    <p:animEffect transition="in" filter="fade">
+                                      <p:cBhvr>
+                                        <p:cTn id="22" dur="500"/>
+                                        <p:tgtEl>
+                                          <p:spTgt spid="19"/>
+                                        </p:tgtEl>
+                                      </p:cBhvr>
+                                    </p:animEffect>
+                                  </p:childTnLst>
+                                </p:cTn>
+                              </p:par>
+                            </p:childTnLst>
+                          </p:cTn>
+                        </p:par>
+                      </p:childTnLst>
+                    </p:cTn>
+                  </p:par>
+                </p:childTnLst>
+              </p:cTn>
+              <p:prevCondLst>
+                <p:cond evt="onPrev" delay="0">
+                  <p:tgtEl>
+                    <p:sldTgt/>
+                  </p:tgtEl>
+                </p:cond>
+              </p:prevCondLst>
+              <p:nextCondLst>
+                <p:cond evt="onNext" delay="0">
+                  <p:tgtEl>
+                    <p:sldTgt/>
+                  </p:tgtEl>
+                </p:cond>
+              </p:nextCondLst>
+            </p:seq>
+          </p:childTnLst>
+        </p:cTn>
+      </p:par>
+    </p:tnLst>
+    <p:bldLst>
+      <p:bldP spid="2" grpId="0"/>
+      <p:bldP spid="19" grpId="0"/>
+    </p:bldLst>
+  </p:timing>
 </p:sld>
 </file>
 
@@ -13520,6 +15917,339 @@
   <p:clrMapOvr>
     <a:masterClrMapping/>
   </p:clrMapOvr>
+  <p:timing>
+    <p:tnLst>
+      <p:par>
+        <p:cTn id="1" dur="indefinite" restart="never" nodeType="tmRoot">
+          <p:childTnLst>
+            <p:seq concurrent="1" nextAc="seek">
+              <p:cTn id="2" dur="indefinite" nodeType="mainSeq">
+                <p:childTnLst>
+                  <p:par>
+                    <p:cTn id="3" fill="hold">
+                      <p:stCondLst>
+                        <p:cond delay="indefinite"/>
+                        <p:cond evt="onBegin" delay="0">
+                          <p:tn val="2"/>
+                        </p:cond>
+                      </p:stCondLst>
+                      <p:childTnLst>
+                        <p:par>
+                          <p:cTn id="4" fill="hold">
+                            <p:stCondLst>
+                              <p:cond delay="0"/>
+                            </p:stCondLst>
+                            <p:childTnLst>
+                              <p:par>
+                                <p:cTn id="5" presetID="10" presetClass="entr" presetSubtype="0" fill="hold" grpId="0" nodeType="afterEffect">
+                                  <p:stCondLst>
+                                    <p:cond delay="0"/>
+                                  </p:stCondLst>
+                                  <p:childTnLst>
+                                    <p:set>
+                                      <p:cBhvr>
+                                        <p:cTn id="6" dur="1" fill="hold">
+                                          <p:stCondLst>
+                                            <p:cond delay="0"/>
+                                          </p:stCondLst>
+                                        </p:cTn>
+                                        <p:tgtEl>
+                                          <p:spTgt spid="2"/>
+                                        </p:tgtEl>
+                                        <p:attrNameLst>
+                                          <p:attrName>style.visibility</p:attrName>
+                                        </p:attrNameLst>
+                                      </p:cBhvr>
+                                      <p:to>
+                                        <p:strVal val="visible"/>
+                                      </p:to>
+                                    </p:set>
+                                    <p:animEffect transition="in" filter="fade">
+                                      <p:cBhvr>
+                                        <p:cTn id="7" dur="500"/>
+                                        <p:tgtEl>
+                                          <p:spTgt spid="2"/>
+                                        </p:tgtEl>
+                                      </p:cBhvr>
+                                    </p:animEffect>
+                                  </p:childTnLst>
+                                </p:cTn>
+                              </p:par>
+                            </p:childTnLst>
+                          </p:cTn>
+                        </p:par>
+                      </p:childTnLst>
+                    </p:cTn>
+                  </p:par>
+                  <p:par>
+                    <p:cTn id="8" fill="hold">
+                      <p:stCondLst>
+                        <p:cond delay="indefinite"/>
+                      </p:stCondLst>
+                      <p:childTnLst>
+                        <p:par>
+                          <p:cTn id="9" fill="hold">
+                            <p:stCondLst>
+                              <p:cond delay="0"/>
+                            </p:stCondLst>
+                            <p:childTnLst>
+                              <p:par>
+                                <p:cTn id="10" presetID="10" presetClass="entr" presetSubtype="0" fill="hold" nodeType="clickEffect">
+                                  <p:stCondLst>
+                                    <p:cond delay="0"/>
+                                  </p:stCondLst>
+                                  <p:childTnLst>
+                                    <p:set>
+                                      <p:cBhvr>
+                                        <p:cTn id="11" dur="1" fill="hold">
+                                          <p:stCondLst>
+                                            <p:cond delay="0"/>
+                                          </p:stCondLst>
+                                        </p:cTn>
+                                        <p:tgtEl>
+                                          <p:spTgt spid="3">
+                                            <p:txEl>
+                                              <p:pRg st="0" end="0"/>
+                                            </p:txEl>
+                                          </p:spTgt>
+                                        </p:tgtEl>
+                                        <p:attrNameLst>
+                                          <p:attrName>style.visibility</p:attrName>
+                                        </p:attrNameLst>
+                                      </p:cBhvr>
+                                      <p:to>
+                                        <p:strVal val="visible"/>
+                                      </p:to>
+                                    </p:set>
+                                    <p:animEffect transition="in" filter="fade">
+                                      <p:cBhvr>
+                                        <p:cTn id="12" dur="500"/>
+                                        <p:tgtEl>
+                                          <p:spTgt spid="3">
+                                            <p:txEl>
+                                              <p:pRg st="0" end="0"/>
+                                            </p:txEl>
+                                          </p:spTgt>
+                                        </p:tgtEl>
+                                      </p:cBhvr>
+                                    </p:animEffect>
+                                  </p:childTnLst>
+                                </p:cTn>
+                              </p:par>
+                            </p:childTnLst>
+                          </p:cTn>
+                        </p:par>
+                      </p:childTnLst>
+                    </p:cTn>
+                  </p:par>
+                  <p:par>
+                    <p:cTn id="13" fill="hold">
+                      <p:stCondLst>
+                        <p:cond delay="indefinite"/>
+                      </p:stCondLst>
+                      <p:childTnLst>
+                        <p:par>
+                          <p:cTn id="14" fill="hold">
+                            <p:stCondLst>
+                              <p:cond delay="0"/>
+                            </p:stCondLst>
+                            <p:childTnLst>
+                              <p:par>
+                                <p:cTn id="15" presetID="10" presetClass="entr" presetSubtype="0" fill="hold" nodeType="clickEffect">
+                                  <p:stCondLst>
+                                    <p:cond delay="0"/>
+                                  </p:stCondLst>
+                                  <p:childTnLst>
+                                    <p:set>
+                                      <p:cBhvr>
+                                        <p:cTn id="16" dur="1" fill="hold">
+                                          <p:stCondLst>
+                                            <p:cond delay="0"/>
+                                          </p:stCondLst>
+                                        </p:cTn>
+                                        <p:tgtEl>
+                                          <p:spTgt spid="3">
+                                            <p:txEl>
+                                              <p:pRg st="2" end="2"/>
+                                            </p:txEl>
+                                          </p:spTgt>
+                                        </p:tgtEl>
+                                        <p:attrNameLst>
+                                          <p:attrName>style.visibility</p:attrName>
+                                        </p:attrNameLst>
+                                      </p:cBhvr>
+                                      <p:to>
+                                        <p:strVal val="visible"/>
+                                      </p:to>
+                                    </p:set>
+                                    <p:animEffect transition="in" filter="fade">
+                                      <p:cBhvr>
+                                        <p:cTn id="17" dur="500"/>
+                                        <p:tgtEl>
+                                          <p:spTgt spid="3">
+                                            <p:txEl>
+                                              <p:pRg st="2" end="2"/>
+                                            </p:txEl>
+                                          </p:spTgt>
+                                        </p:tgtEl>
+                                      </p:cBhvr>
+                                    </p:animEffect>
+                                  </p:childTnLst>
+                                </p:cTn>
+                              </p:par>
+                            </p:childTnLst>
+                          </p:cTn>
+                        </p:par>
+                      </p:childTnLst>
+                    </p:cTn>
+                  </p:par>
+                  <p:par>
+                    <p:cTn id="18" fill="hold">
+                      <p:stCondLst>
+                        <p:cond delay="indefinite"/>
+                      </p:stCondLst>
+                      <p:childTnLst>
+                        <p:par>
+                          <p:cTn id="19" fill="hold">
+                            <p:stCondLst>
+                              <p:cond delay="0"/>
+                            </p:stCondLst>
+                            <p:childTnLst>
+                              <p:par>
+                                <p:cTn id="20" presetID="10" presetClass="entr" presetSubtype="0" fill="hold" nodeType="clickEffect">
+                                  <p:stCondLst>
+                                    <p:cond delay="0"/>
+                                  </p:stCondLst>
+                                  <p:childTnLst>
+                                    <p:set>
+                                      <p:cBhvr>
+                                        <p:cTn id="21" dur="1" fill="hold">
+                                          <p:stCondLst>
+                                            <p:cond delay="0"/>
+                                          </p:stCondLst>
+                                        </p:cTn>
+                                        <p:tgtEl>
+                                          <p:spTgt spid="3">
+                                            <p:txEl>
+                                              <p:pRg st="4" end="4"/>
+                                            </p:txEl>
+                                          </p:spTgt>
+                                        </p:tgtEl>
+                                        <p:attrNameLst>
+                                          <p:attrName>style.visibility</p:attrName>
+                                        </p:attrNameLst>
+                                      </p:cBhvr>
+                                      <p:to>
+                                        <p:strVal val="visible"/>
+                                      </p:to>
+                                    </p:set>
+                                    <p:animEffect transition="in" filter="fade">
+                                      <p:cBhvr>
+                                        <p:cTn id="22" dur="500"/>
+                                        <p:tgtEl>
+                                          <p:spTgt spid="3">
+                                            <p:txEl>
+                                              <p:pRg st="4" end="4"/>
+                                            </p:txEl>
+                                          </p:spTgt>
+                                        </p:tgtEl>
+                                      </p:cBhvr>
+                                    </p:animEffect>
+                                  </p:childTnLst>
+                                </p:cTn>
+                              </p:par>
+                            </p:childTnLst>
+                          </p:cTn>
+                        </p:par>
+                      </p:childTnLst>
+                    </p:cTn>
+                  </p:par>
+                  <p:par>
+                    <p:cTn id="23" fill="hold">
+                      <p:stCondLst>
+                        <p:cond delay="indefinite"/>
+                      </p:stCondLst>
+                      <p:childTnLst>
+                        <p:par>
+                          <p:cTn id="24" fill="hold">
+                            <p:stCondLst>
+                              <p:cond delay="0"/>
+                            </p:stCondLst>
+                            <p:childTnLst>
+                              <p:par>
+                                <p:cTn id="25" presetID="10" presetClass="entr" presetSubtype="0" fill="hold" nodeType="clickEffect">
+                                  <p:stCondLst>
+                                    <p:cond delay="0"/>
+                                  </p:stCondLst>
+                                  <p:childTnLst>
+                                    <p:set>
+                                      <p:cBhvr>
+                                        <p:cTn id="26" dur="1" fill="hold">
+                                          <p:stCondLst>
+                                            <p:cond delay="0"/>
+                                          </p:stCondLst>
+                                        </p:cTn>
+                                        <p:tgtEl>
+                                          <p:spTgt spid="3">
+                                            <p:txEl>
+                                              <p:pRg st="6" end="6"/>
+                                            </p:txEl>
+                                          </p:spTgt>
+                                        </p:tgtEl>
+                                        <p:attrNameLst>
+                                          <p:attrName>style.visibility</p:attrName>
+                                        </p:attrNameLst>
+                                      </p:cBhvr>
+                                      <p:to>
+                                        <p:strVal val="visible"/>
+                                      </p:to>
+                                    </p:set>
+                                    <p:animEffect transition="in" filter="fade">
+                                      <p:cBhvr>
+                                        <p:cTn id="27" dur="500"/>
+                                        <p:tgtEl>
+                                          <p:spTgt spid="3">
+                                            <p:txEl>
+                                              <p:pRg st="6" end="6"/>
+                                            </p:txEl>
+                                          </p:spTgt>
+                                        </p:tgtEl>
+                                      </p:cBhvr>
+                                    </p:animEffect>
+                                  </p:childTnLst>
+                                </p:cTn>
+                              </p:par>
+                            </p:childTnLst>
+                          </p:cTn>
+                        </p:par>
+                      </p:childTnLst>
+                    </p:cTn>
+                  </p:par>
+                </p:childTnLst>
+              </p:cTn>
+              <p:prevCondLst>
+                <p:cond evt="onPrev" delay="0">
+                  <p:tgtEl>
+                    <p:sldTgt/>
+                  </p:tgtEl>
+                </p:cond>
+              </p:prevCondLst>
+              <p:nextCondLst>
+                <p:cond evt="onNext" delay="0">
+                  <p:tgtEl>
+                    <p:sldTgt/>
+                  </p:tgtEl>
+                </p:cond>
+              </p:nextCondLst>
+            </p:seq>
+          </p:childTnLst>
+        </p:cTn>
+      </p:par>
+    </p:tnLst>
+    <p:bldLst>
+      <p:bldP spid="2" grpId="0"/>
+    </p:bldLst>
+  </p:timing>
 </p:sld>
 </file>
 
@@ -14044,6 +16774,693 @@
   <p:clrMapOvr>
     <a:masterClrMapping/>
   </p:clrMapOvr>
+  <p:timing>
+    <p:tnLst>
+      <p:par>
+        <p:cTn id="1" dur="indefinite" restart="never" nodeType="tmRoot">
+          <p:childTnLst>
+            <p:seq concurrent="1" nextAc="seek">
+              <p:cTn id="2" dur="indefinite" nodeType="mainSeq">
+                <p:childTnLst>
+                  <p:par>
+                    <p:cTn id="3" fill="hold">
+                      <p:stCondLst>
+                        <p:cond delay="indefinite"/>
+                        <p:cond evt="onBegin" delay="0">
+                          <p:tn val="2"/>
+                        </p:cond>
+                      </p:stCondLst>
+                      <p:childTnLst>
+                        <p:par>
+                          <p:cTn id="4" fill="hold">
+                            <p:stCondLst>
+                              <p:cond delay="0"/>
+                            </p:stCondLst>
+                            <p:childTnLst>
+                              <p:par>
+                                <p:cTn id="5" presetID="10" presetClass="entr" presetSubtype="0" fill="hold" grpId="0" nodeType="afterEffect">
+                                  <p:stCondLst>
+                                    <p:cond delay="0"/>
+                                  </p:stCondLst>
+                                  <p:childTnLst>
+                                    <p:set>
+                                      <p:cBhvr>
+                                        <p:cTn id="6" dur="1" fill="hold">
+                                          <p:stCondLst>
+                                            <p:cond delay="0"/>
+                                          </p:stCondLst>
+                                        </p:cTn>
+                                        <p:tgtEl>
+                                          <p:spTgt spid="2"/>
+                                        </p:tgtEl>
+                                        <p:attrNameLst>
+                                          <p:attrName>style.visibility</p:attrName>
+                                        </p:attrNameLst>
+                                      </p:cBhvr>
+                                      <p:to>
+                                        <p:strVal val="visible"/>
+                                      </p:to>
+                                    </p:set>
+                                    <p:animEffect transition="in" filter="fade">
+                                      <p:cBhvr>
+                                        <p:cTn id="7" dur="500"/>
+                                        <p:tgtEl>
+                                          <p:spTgt spid="2"/>
+                                        </p:tgtEl>
+                                      </p:cBhvr>
+                                    </p:animEffect>
+                                  </p:childTnLst>
+                                </p:cTn>
+                              </p:par>
+                            </p:childTnLst>
+                          </p:cTn>
+                        </p:par>
+                      </p:childTnLst>
+                    </p:cTn>
+                  </p:par>
+                  <p:par>
+                    <p:cTn id="8" fill="hold">
+                      <p:stCondLst>
+                        <p:cond delay="indefinite"/>
+                      </p:stCondLst>
+                      <p:childTnLst>
+                        <p:par>
+                          <p:cTn id="9" fill="hold">
+                            <p:stCondLst>
+                              <p:cond delay="0"/>
+                            </p:stCondLst>
+                            <p:childTnLst>
+                              <p:par>
+                                <p:cTn id="10" presetID="10" presetClass="entr" presetSubtype="0" fill="hold" nodeType="clickEffect">
+                                  <p:stCondLst>
+                                    <p:cond delay="0"/>
+                                  </p:stCondLst>
+                                  <p:childTnLst>
+                                    <p:set>
+                                      <p:cBhvr>
+                                        <p:cTn id="11" dur="1" fill="hold">
+                                          <p:stCondLst>
+                                            <p:cond delay="0"/>
+                                          </p:stCondLst>
+                                        </p:cTn>
+                                        <p:tgtEl>
+                                          <p:spTgt spid="3">
+                                            <p:txEl>
+                                              <p:pRg st="0" end="0"/>
+                                            </p:txEl>
+                                          </p:spTgt>
+                                        </p:tgtEl>
+                                        <p:attrNameLst>
+                                          <p:attrName>style.visibility</p:attrName>
+                                        </p:attrNameLst>
+                                      </p:cBhvr>
+                                      <p:to>
+                                        <p:strVal val="visible"/>
+                                      </p:to>
+                                    </p:set>
+                                    <p:animEffect transition="in" filter="fade">
+                                      <p:cBhvr>
+                                        <p:cTn id="12" dur="500"/>
+                                        <p:tgtEl>
+                                          <p:spTgt spid="3">
+                                            <p:txEl>
+                                              <p:pRg st="0" end="0"/>
+                                            </p:txEl>
+                                          </p:spTgt>
+                                        </p:tgtEl>
+                                      </p:cBhvr>
+                                    </p:animEffect>
+                                  </p:childTnLst>
+                                </p:cTn>
+                              </p:par>
+                            </p:childTnLst>
+                          </p:cTn>
+                        </p:par>
+                      </p:childTnLst>
+                    </p:cTn>
+                  </p:par>
+                  <p:par>
+                    <p:cTn id="13" fill="hold">
+                      <p:stCondLst>
+                        <p:cond delay="indefinite"/>
+                      </p:stCondLst>
+                      <p:childTnLst>
+                        <p:par>
+                          <p:cTn id="14" fill="hold">
+                            <p:stCondLst>
+                              <p:cond delay="0"/>
+                            </p:stCondLst>
+                            <p:childTnLst>
+                              <p:par>
+                                <p:cTn id="15" presetID="10" presetClass="entr" presetSubtype="0" fill="hold" nodeType="clickEffect">
+                                  <p:stCondLst>
+                                    <p:cond delay="0"/>
+                                  </p:stCondLst>
+                                  <p:childTnLst>
+                                    <p:set>
+                                      <p:cBhvr>
+                                        <p:cTn id="16" dur="1" fill="hold">
+                                          <p:stCondLst>
+                                            <p:cond delay="0"/>
+                                          </p:stCondLst>
+                                        </p:cTn>
+                                        <p:tgtEl>
+                                          <p:spTgt spid="3">
+                                            <p:txEl>
+                                              <p:pRg st="2" end="2"/>
+                                            </p:txEl>
+                                          </p:spTgt>
+                                        </p:tgtEl>
+                                        <p:attrNameLst>
+                                          <p:attrName>style.visibility</p:attrName>
+                                        </p:attrNameLst>
+                                      </p:cBhvr>
+                                      <p:to>
+                                        <p:strVal val="visible"/>
+                                      </p:to>
+                                    </p:set>
+                                    <p:animEffect transition="in" filter="fade">
+                                      <p:cBhvr>
+                                        <p:cTn id="17" dur="500"/>
+                                        <p:tgtEl>
+                                          <p:spTgt spid="3">
+                                            <p:txEl>
+                                              <p:pRg st="2" end="2"/>
+                                            </p:txEl>
+                                          </p:spTgt>
+                                        </p:tgtEl>
+                                      </p:cBhvr>
+                                    </p:animEffect>
+                                  </p:childTnLst>
+                                </p:cTn>
+                              </p:par>
+                            </p:childTnLst>
+                          </p:cTn>
+                        </p:par>
+                      </p:childTnLst>
+                    </p:cTn>
+                  </p:par>
+                  <p:par>
+                    <p:cTn id="18" fill="hold">
+                      <p:stCondLst>
+                        <p:cond delay="indefinite"/>
+                      </p:stCondLst>
+                      <p:childTnLst>
+                        <p:par>
+                          <p:cTn id="19" fill="hold">
+                            <p:stCondLst>
+                              <p:cond delay="0"/>
+                            </p:stCondLst>
+                            <p:childTnLst>
+                              <p:par>
+                                <p:cTn id="20" presetID="10" presetClass="entr" presetSubtype="0" fill="hold" nodeType="clickEffect">
+                                  <p:stCondLst>
+                                    <p:cond delay="0"/>
+                                  </p:stCondLst>
+                                  <p:childTnLst>
+                                    <p:set>
+                                      <p:cBhvr>
+                                        <p:cTn id="21" dur="1" fill="hold">
+                                          <p:stCondLst>
+                                            <p:cond delay="0"/>
+                                          </p:stCondLst>
+                                        </p:cTn>
+                                        <p:tgtEl>
+                                          <p:spTgt spid="3">
+                                            <p:txEl>
+                                              <p:pRg st="4" end="4"/>
+                                            </p:txEl>
+                                          </p:spTgt>
+                                        </p:tgtEl>
+                                        <p:attrNameLst>
+                                          <p:attrName>style.visibility</p:attrName>
+                                        </p:attrNameLst>
+                                      </p:cBhvr>
+                                      <p:to>
+                                        <p:strVal val="visible"/>
+                                      </p:to>
+                                    </p:set>
+                                    <p:animEffect transition="in" filter="fade">
+                                      <p:cBhvr>
+                                        <p:cTn id="22" dur="500"/>
+                                        <p:tgtEl>
+                                          <p:spTgt spid="3">
+                                            <p:txEl>
+                                              <p:pRg st="4" end="4"/>
+                                            </p:txEl>
+                                          </p:spTgt>
+                                        </p:tgtEl>
+                                      </p:cBhvr>
+                                    </p:animEffect>
+                                  </p:childTnLst>
+                                </p:cTn>
+                              </p:par>
+                            </p:childTnLst>
+                          </p:cTn>
+                        </p:par>
+                      </p:childTnLst>
+                    </p:cTn>
+                  </p:par>
+                </p:childTnLst>
+              </p:cTn>
+              <p:prevCondLst>
+                <p:cond evt="onPrev" delay="0">
+                  <p:tgtEl>
+                    <p:sldTgt/>
+                  </p:tgtEl>
+                </p:cond>
+              </p:prevCondLst>
+              <p:nextCondLst>
+                <p:cond evt="onNext" delay="0">
+                  <p:tgtEl>
+                    <p:sldTgt/>
+                  </p:tgtEl>
+                </p:cond>
+              </p:nextCondLst>
+            </p:seq>
+          </p:childTnLst>
+        </p:cTn>
+      </p:par>
+    </p:tnLst>
+    <p:bldLst>
+      <p:bldP spid="2" grpId="0"/>
+    </p:bldLst>
+  </p:timing>
+</p:sld>
+</file>
+
+<file path=ppt/slides/slide24.xml><?xml version="1.0" encoding="utf-8"?>
+<p:sld xmlns:a="http://schemas.openxmlformats.org/drawingml/2006/main" xmlns:r="http://schemas.openxmlformats.org/officeDocument/2006/relationships" xmlns:p="http://schemas.openxmlformats.org/presentationml/2006/main">
+  <p:cSld>
+    <p:bg>
+      <p:bgPr>
+        <a:solidFill>
+          <a:schemeClr val="bg1"/>
+        </a:solidFill>
+        <a:effectLst/>
+      </p:bgPr>
+    </p:bg>
+    <p:spTree>
+      <p:nvGrpSpPr>
+        <p:cNvPr id="1" name=""/>
+        <p:cNvGrpSpPr/>
+        <p:nvPr/>
+      </p:nvGrpSpPr>
+      <p:grpSpPr>
+        <a:xfrm>
+          <a:off x="0" y="0"/>
+          <a:ext cx="0" cy="0"/>
+          <a:chOff x="0" y="0"/>
+          <a:chExt cx="0" cy="0"/>
+        </a:xfrm>
+      </p:grpSpPr>
+      <p:sp>
+        <p:nvSpPr>
+          <p:cNvPr id="23" name="Rectangle 22">
+            <a:extLst>
+              <a:ext uri="{FF2B5EF4-FFF2-40B4-BE49-F238E27FC236}">
+                <a16:creationId xmlns:a16="http://schemas.microsoft.com/office/drawing/2014/main" id="{2643BE6C-86B7-4AB9-91E8-9B5DB45AC8EA}"/>
+              </a:ext>
+              <a:ext uri="{C183D7F6-B498-43B3-948B-1728B52AA6E4}">
+                <adec:decorative xmlns:adec="http://schemas.microsoft.com/office/drawing/2017/decorative" val="1"/>
+              </a:ext>
+            </a:extLst>
+          </p:cNvPr>
+          <p:cNvSpPr>
+            <a:spLocks noGrp="1" noRot="1" noChangeAspect="1" noMove="1" noResize="1" noEditPoints="1" noAdjustHandles="1" noChangeArrowheads="1" noChangeShapeType="1" noTextEdit="1"/>
+          </p:cNvSpPr>
+          <p:nvPr>
+            <p:extLst>
+              <p:ext uri="{386F3935-93C4-4BCD-93E2-E3B085C9AB24}">
+                <p16:designElem xmlns:p16="http://schemas.microsoft.com/office/powerpoint/2015/main" val="1"/>
+              </p:ext>
+            </p:extLst>
+          </p:nvPr>
+        </p:nvSpPr>
+        <p:spPr>
+          <a:xfrm>
+            <a:off x="1588" y="0"/>
+            <a:ext cx="12188825" cy="4242816"/>
+          </a:xfrm>
+          <a:prstGeom prst="rect">
+            <a:avLst/>
+          </a:prstGeom>
+          <a:solidFill>
+            <a:schemeClr val="accent1"/>
+          </a:solidFill>
+          <a:ln>
+            <a:noFill/>
+          </a:ln>
+        </p:spPr>
+        <p:style>
+          <a:lnRef idx="2">
+            <a:schemeClr val="accent1">
+              <a:shade val="50000"/>
+            </a:schemeClr>
+          </a:lnRef>
+          <a:fillRef idx="1">
+            <a:schemeClr val="accent1"/>
+          </a:fillRef>
+          <a:effectRef idx="0">
+            <a:schemeClr val="accent1"/>
+          </a:effectRef>
+          <a:fontRef idx="minor">
+            <a:schemeClr val="lt1"/>
+          </a:fontRef>
+        </p:style>
+        <p:txBody>
+          <a:bodyPr rtlCol="0" anchor="ctr"/>
+          <a:lstStyle/>
+          <a:p>
+            <a:pPr marL="0" marR="0" lvl="0" indent="0" algn="ctr" defTabSz="914400" rtl="0" eaLnBrk="1" fontAlgn="auto" latinLnBrk="0" hangingPunct="1">
+              <a:lnSpc>
+                <a:spcPct val="100000"/>
+              </a:lnSpc>
+              <a:spcBef>
+                <a:spcPts val="0"/>
+              </a:spcBef>
+              <a:spcAft>
+                <a:spcPts val="0"/>
+              </a:spcAft>
+              <a:buClrTx/>
+              <a:buSzTx/>
+              <a:buFontTx/>
+              <a:buNone/>
+              <a:tabLst/>
+              <a:defRPr/>
+            </a:pPr>
+            <a:endParaRPr kumimoji="0" lang="en-US" sz="1800" b="0" i="0" u="none" strike="noStrike" kern="0" cap="none" spc="0" normalizeH="0" baseline="0" noProof="0">
+              <a:ln>
+                <a:noFill/>
+              </a:ln>
+              <a:solidFill>
+                <a:sysClr val="windowText" lastClr="000000"/>
+              </a:solidFill>
+              <a:effectLst/>
+              <a:uLnTx/>
+              <a:uFillTx/>
+              <a:latin typeface="Calibri" panose="020F0502020204030204"/>
+              <a:ea typeface="+mn-ea"/>
+              <a:cs typeface="+mn-cs"/>
+            </a:endParaRPr>
+          </a:p>
+        </p:txBody>
+      </p:sp>
+      <p:sp>
+        <p:nvSpPr>
+          <p:cNvPr id="2" name="Title 1">
+            <a:extLst>
+              <a:ext uri="{FF2B5EF4-FFF2-40B4-BE49-F238E27FC236}">
+                <a16:creationId xmlns:a16="http://schemas.microsoft.com/office/drawing/2014/main" id="{D464F1A7-0DAA-4022-A5CB-A0198111FEA4}"/>
+              </a:ext>
+            </a:extLst>
+          </p:cNvPr>
+          <p:cNvSpPr>
+            <a:spLocks noGrp="1"/>
+          </p:cNvSpPr>
+          <p:nvPr>
+            <p:ph type="title"/>
+          </p:nvPr>
+        </p:nvSpPr>
+        <p:spPr>
+          <a:xfrm>
+            <a:off x="1293026" y="713195"/>
+            <a:ext cx="9605948" cy="2318665"/>
+          </a:xfrm>
+        </p:spPr>
+        <p:txBody>
+          <a:bodyPr vert="horz" lIns="91440" tIns="45720" rIns="91440" bIns="45720" rtlCol="0" anchor="b">
+            <a:normAutofit/>
+          </a:bodyPr>
+          <a:lstStyle/>
+          <a:p>
+            <a:pPr algn="ctr"/>
+            <a:r>
+              <a:rPr lang="en-US" sz="5400" kern="1200" dirty="0">
+                <a:solidFill>
+                  <a:srgbClr val="FFFFFF"/>
+                </a:solidFill>
+                <a:latin typeface="+mj-lt"/>
+                <a:ea typeface="+mj-ea"/>
+                <a:cs typeface="+mj-cs"/>
+              </a:rPr>
+              <a:t>Questions?</a:t>
+            </a:r>
+          </a:p>
+        </p:txBody>
+      </p:sp>
+      <p:pic>
+        <p:nvPicPr>
+          <p:cNvPr id="20" name="Graphic 19" descr="Question mark">
+            <a:extLst>
+              <a:ext uri="{FF2B5EF4-FFF2-40B4-BE49-F238E27FC236}">
+                <a16:creationId xmlns:a16="http://schemas.microsoft.com/office/drawing/2014/main" id="{C6BDA2B0-BAD4-4C79-A12F-BAF929FB6292}"/>
+              </a:ext>
+            </a:extLst>
+          </p:cNvPr>
+          <p:cNvPicPr>
+            <a:picLocks noChangeAspect="1"/>
+          </p:cNvPicPr>
+          <p:nvPr/>
+        </p:nvPicPr>
+        <p:blipFill>
+          <a:blip r:embed="rId2">
+            <a:extLst>
+              <a:ext uri="{28A0092B-C50C-407E-A947-70E740481C1C}">
+                <a14:useLocalDpi xmlns:a14="http://schemas.microsoft.com/office/drawing/2010/main" val="0"/>
+              </a:ext>
+              <a:ext uri="{96DAC541-7B7A-43D3-8B79-37D633B846F1}">
+                <asvg:svgBlip xmlns:asvg="http://schemas.microsoft.com/office/drawing/2016/SVG/main" r:embed="rId3"/>
+              </a:ext>
+            </a:extLst>
+          </a:blip>
+          <a:stretch>
+            <a:fillRect/>
+          </a:stretch>
+        </p:blipFill>
+        <p:spPr>
+          <a:xfrm>
+            <a:off x="5506089" y="4805363"/>
+            <a:ext cx="1179824" cy="1179824"/>
+          </a:xfrm>
+          <a:prstGeom prst="rect">
+            <a:avLst/>
+          </a:prstGeom>
+        </p:spPr>
+      </p:pic>
+    </p:spTree>
+    <p:extLst>
+      <p:ext uri="{BB962C8B-B14F-4D97-AF65-F5344CB8AC3E}">
+        <p14:creationId xmlns:p14="http://schemas.microsoft.com/office/powerpoint/2010/main" val="2665186229"/>
+      </p:ext>
+    </p:extLst>
+  </p:cSld>
+  <p:clrMapOvr>
+    <a:masterClrMapping/>
+  </p:clrMapOvr>
+</p:sld>
+</file>
+
+<file path=ppt/slides/slide25.xml><?xml version="1.0" encoding="utf-8"?>
+<p:sld xmlns:a="http://schemas.openxmlformats.org/drawingml/2006/main" xmlns:r="http://schemas.openxmlformats.org/officeDocument/2006/relationships" xmlns:p="http://schemas.openxmlformats.org/presentationml/2006/main">
+  <p:cSld>
+    <p:bg>
+      <p:bgPr>
+        <a:solidFill>
+          <a:schemeClr val="bg1"/>
+        </a:solidFill>
+        <a:effectLst/>
+      </p:bgPr>
+    </p:bg>
+    <p:spTree>
+      <p:nvGrpSpPr>
+        <p:cNvPr id="1" name=""/>
+        <p:cNvGrpSpPr/>
+        <p:nvPr/>
+      </p:nvGrpSpPr>
+      <p:grpSpPr>
+        <a:xfrm>
+          <a:off x="0" y="0"/>
+          <a:ext cx="0" cy="0"/>
+          <a:chOff x="0" y="0"/>
+          <a:chExt cx="0" cy="0"/>
+        </a:xfrm>
+      </p:grpSpPr>
+      <p:sp>
+        <p:nvSpPr>
+          <p:cNvPr id="21" name="Rectangle 20">
+            <a:extLst>
+              <a:ext uri="{FF2B5EF4-FFF2-40B4-BE49-F238E27FC236}">
+                <a16:creationId xmlns:a16="http://schemas.microsoft.com/office/drawing/2014/main" id="{DE7FFD28-545C-4C88-A2E7-152FB234C92C}"/>
+              </a:ext>
+              <a:ext uri="{C183D7F6-B498-43B3-948B-1728B52AA6E4}">
+                <adec:decorative xmlns:adec="http://schemas.microsoft.com/office/drawing/2017/decorative" val="1"/>
+              </a:ext>
+            </a:extLst>
+          </p:cNvPr>
+          <p:cNvSpPr>
+            <a:spLocks noGrp="1" noRot="1" noChangeAspect="1" noMove="1" noResize="1" noEditPoints="1" noAdjustHandles="1" noChangeArrowheads="1" noChangeShapeType="1" noTextEdit="1"/>
+          </p:cNvSpPr>
+          <p:nvPr>
+            <p:extLst>
+              <p:ext uri="{386F3935-93C4-4BCD-93E2-E3B085C9AB24}">
+                <p16:designElem xmlns:p16="http://schemas.microsoft.com/office/powerpoint/2015/main" val="1"/>
+              </p:ext>
+            </p:extLst>
+          </p:nvPr>
+        </p:nvSpPr>
+        <p:spPr>
+          <a:xfrm>
+            <a:off x="0" y="0"/>
+            <a:ext cx="12192000" cy="1911350"/>
+          </a:xfrm>
+          <a:prstGeom prst="rect">
+            <a:avLst/>
+          </a:prstGeom>
+          <a:solidFill>
+            <a:schemeClr val="accent5"/>
+          </a:solidFill>
+          <a:ln>
+            <a:noFill/>
+          </a:ln>
+        </p:spPr>
+        <p:style>
+          <a:lnRef idx="2">
+            <a:schemeClr val="accent1">
+              <a:shade val="50000"/>
+            </a:schemeClr>
+          </a:lnRef>
+          <a:fillRef idx="1">
+            <a:schemeClr val="accent1"/>
+          </a:fillRef>
+          <a:effectRef idx="0">
+            <a:schemeClr val="accent1"/>
+          </a:effectRef>
+          <a:fontRef idx="minor">
+            <a:schemeClr val="lt1"/>
+          </a:fontRef>
+        </p:style>
+        <p:txBody>
+          <a:bodyPr rtlCol="0" anchor="ctr"/>
+          <a:lstStyle/>
+          <a:p>
+            <a:pPr algn="ctr"/>
+            <a:endParaRPr lang="en-US"/>
+          </a:p>
+        </p:txBody>
+      </p:sp>
+      <p:sp>
+        <p:nvSpPr>
+          <p:cNvPr id="2" name="Title 1">
+            <a:extLst>
+              <a:ext uri="{FF2B5EF4-FFF2-40B4-BE49-F238E27FC236}">
+                <a16:creationId xmlns:a16="http://schemas.microsoft.com/office/drawing/2014/main" id="{64F2D889-C6E4-45AC-883D-F28FB7EBB663}"/>
+              </a:ext>
+            </a:extLst>
+          </p:cNvPr>
+          <p:cNvSpPr>
+            <a:spLocks noGrp="1"/>
+          </p:cNvSpPr>
+          <p:nvPr>
+            <p:ph type="title"/>
+          </p:nvPr>
+        </p:nvSpPr>
+        <p:spPr>
+          <a:xfrm>
+            <a:off x="838200" y="365125"/>
+            <a:ext cx="10515600" cy="1325563"/>
+          </a:xfrm>
+        </p:spPr>
+        <p:txBody>
+          <a:bodyPr>
+            <a:normAutofit/>
+          </a:bodyPr>
+          <a:lstStyle/>
+          <a:p>
+            <a:pPr algn="ctr"/>
+            <a:r>
+              <a:rPr lang="en-GB" sz="4600">
+                <a:solidFill>
+                  <a:srgbClr val="FFFFFF"/>
+                </a:solidFill>
+                <a:latin typeface="Arial" panose="020B0604020202020204" pitchFamily="34" charset="0"/>
+                <a:cs typeface="Arial" panose="020B0604020202020204" pitchFamily="34" charset="0"/>
+              </a:rPr>
+              <a:t>Thank you!</a:t>
+            </a:r>
+          </a:p>
+        </p:txBody>
+      </p:sp>
+      <p:sp>
+        <p:nvSpPr>
+          <p:cNvPr id="3" name="Content Placeholder 2">
+            <a:extLst>
+              <a:ext uri="{FF2B5EF4-FFF2-40B4-BE49-F238E27FC236}">
+                <a16:creationId xmlns:a16="http://schemas.microsoft.com/office/drawing/2014/main" id="{4B58A5C0-80F3-4E13-84CB-E3E3C4591A8A}"/>
+              </a:ext>
+            </a:extLst>
+          </p:cNvPr>
+          <p:cNvSpPr>
+            <a:spLocks noGrp="1"/>
+          </p:cNvSpPr>
+          <p:nvPr>
+            <p:ph idx="1"/>
+          </p:nvPr>
+        </p:nvSpPr>
+        <p:spPr>
+          <a:xfrm>
+            <a:off x="838200" y="2438400"/>
+            <a:ext cx="10515600" cy="3738562"/>
+          </a:xfrm>
+        </p:spPr>
+        <p:txBody>
+          <a:bodyPr>
+            <a:normAutofit/>
+          </a:bodyPr>
+          <a:lstStyle/>
+          <a:p>
+            <a:r>
+              <a:rPr lang="en-GB" sz="2600"/>
+              <a:t>Instructor: Aqeeb Hussain</a:t>
+            </a:r>
+          </a:p>
+          <a:p>
+            <a:endParaRPr lang="en-GB" sz="2600"/>
+          </a:p>
+          <a:p>
+            <a:r>
+              <a:rPr lang="en-GB" sz="2600"/>
+              <a:t>E-mail: </a:t>
+            </a:r>
+            <a:r>
+              <a:rPr lang="en-GB" sz="2600">
+                <a:hlinkClick r:id="rId2"/>
+              </a:rPr>
+              <a:t>aqeeb.r.hussain@durham.ac.uk</a:t>
+            </a:r>
+            <a:endParaRPr lang="en-GB" sz="2600"/>
+          </a:p>
+          <a:p>
+            <a:endParaRPr lang="en-GB" sz="2600"/>
+          </a:p>
+          <a:p>
+            <a:r>
+              <a:rPr lang="en-GB" sz="2600"/>
+              <a:t>GitHub: https://github.com/aqeebhussain122/</a:t>
+            </a:r>
+          </a:p>
+        </p:txBody>
+      </p:sp>
+    </p:spTree>
+    <p:extLst>
+      <p:ext uri="{BB962C8B-B14F-4D97-AF65-F5344CB8AC3E}">
+        <p14:creationId xmlns:p14="http://schemas.microsoft.com/office/powerpoint/2010/main" val="1711778981"/>
+      </p:ext>
+    </p:extLst>
+  </p:cSld>
+  <p:clrMapOvr>
+    <a:masterClrMapping/>
+  </p:clrMapOvr>
 </p:sld>
 </file>
 
@@ -14568,6 +17985,219 @@
   <p:clrMapOvr>
     <a:masterClrMapping/>
   </p:clrMapOvr>
+  <p:timing>
+    <p:tnLst>
+      <p:par>
+        <p:cTn id="1" dur="indefinite" restart="never" nodeType="tmRoot">
+          <p:childTnLst>
+            <p:seq concurrent="1" nextAc="seek">
+              <p:cTn id="2" dur="indefinite" nodeType="mainSeq">
+                <p:childTnLst>
+                  <p:par>
+                    <p:cTn id="3" fill="hold">
+                      <p:stCondLst>
+                        <p:cond delay="indefinite"/>
+                      </p:stCondLst>
+                      <p:childTnLst>
+                        <p:par>
+                          <p:cTn id="4" fill="hold">
+                            <p:stCondLst>
+                              <p:cond delay="0"/>
+                            </p:stCondLst>
+                            <p:childTnLst>
+                              <p:par>
+                                <p:cTn id="5" presetID="10" presetClass="entr" presetSubtype="0" fill="hold" nodeType="clickEffect">
+                                  <p:stCondLst>
+                                    <p:cond delay="0"/>
+                                  </p:stCondLst>
+                                  <p:childTnLst>
+                                    <p:set>
+                                      <p:cBhvr>
+                                        <p:cTn id="6" dur="1" fill="hold">
+                                          <p:stCondLst>
+                                            <p:cond delay="0"/>
+                                          </p:stCondLst>
+                                        </p:cTn>
+                                        <p:tgtEl>
+                                          <p:spTgt spid="3">
+                                            <p:txEl>
+                                              <p:pRg st="0" end="0"/>
+                                            </p:txEl>
+                                          </p:spTgt>
+                                        </p:tgtEl>
+                                        <p:attrNameLst>
+                                          <p:attrName>style.visibility</p:attrName>
+                                        </p:attrNameLst>
+                                      </p:cBhvr>
+                                      <p:to>
+                                        <p:strVal val="visible"/>
+                                      </p:to>
+                                    </p:set>
+                                    <p:animEffect transition="in" filter="fade">
+                                      <p:cBhvr>
+                                        <p:cTn id="7" dur="500"/>
+                                        <p:tgtEl>
+                                          <p:spTgt spid="3">
+                                            <p:txEl>
+                                              <p:pRg st="0" end="0"/>
+                                            </p:txEl>
+                                          </p:spTgt>
+                                        </p:tgtEl>
+                                      </p:cBhvr>
+                                    </p:animEffect>
+                                  </p:childTnLst>
+                                </p:cTn>
+                              </p:par>
+                            </p:childTnLst>
+                          </p:cTn>
+                        </p:par>
+                      </p:childTnLst>
+                    </p:cTn>
+                  </p:par>
+                  <p:par>
+                    <p:cTn id="8" fill="hold">
+                      <p:stCondLst>
+                        <p:cond delay="indefinite"/>
+                      </p:stCondLst>
+                      <p:childTnLst>
+                        <p:par>
+                          <p:cTn id="9" fill="hold">
+                            <p:stCondLst>
+                              <p:cond delay="0"/>
+                            </p:stCondLst>
+                            <p:childTnLst>
+                              <p:par>
+                                <p:cTn id="10" presetID="10" presetClass="entr" presetSubtype="0" fill="hold" nodeType="clickEffect">
+                                  <p:stCondLst>
+                                    <p:cond delay="0"/>
+                                  </p:stCondLst>
+                                  <p:childTnLst>
+                                    <p:set>
+                                      <p:cBhvr>
+                                        <p:cTn id="11" dur="1" fill="hold">
+                                          <p:stCondLst>
+                                            <p:cond delay="0"/>
+                                          </p:stCondLst>
+                                        </p:cTn>
+                                        <p:tgtEl>
+                                          <p:spTgt spid="3">
+                                            <p:txEl>
+                                              <p:pRg st="2" end="2"/>
+                                            </p:txEl>
+                                          </p:spTgt>
+                                        </p:tgtEl>
+                                        <p:attrNameLst>
+                                          <p:attrName>style.visibility</p:attrName>
+                                        </p:attrNameLst>
+                                      </p:cBhvr>
+                                      <p:to>
+                                        <p:strVal val="visible"/>
+                                      </p:to>
+                                    </p:set>
+                                    <p:animEffect transition="in" filter="fade">
+                                      <p:cBhvr>
+                                        <p:cTn id="12" dur="500"/>
+                                        <p:tgtEl>
+                                          <p:spTgt spid="3">
+                                            <p:txEl>
+                                              <p:pRg st="2" end="2"/>
+                                            </p:txEl>
+                                          </p:spTgt>
+                                        </p:tgtEl>
+                                      </p:cBhvr>
+                                    </p:animEffect>
+                                  </p:childTnLst>
+                                </p:cTn>
+                              </p:par>
+                            </p:childTnLst>
+                          </p:cTn>
+                        </p:par>
+                      </p:childTnLst>
+                    </p:cTn>
+                  </p:par>
+                  <p:par>
+                    <p:cTn id="13" fill="hold">
+                      <p:stCondLst>
+                        <p:cond delay="indefinite"/>
+                      </p:stCondLst>
+                      <p:childTnLst>
+                        <p:par>
+                          <p:cTn id="14" fill="hold">
+                            <p:stCondLst>
+                              <p:cond delay="0"/>
+                            </p:stCondLst>
+                            <p:childTnLst>
+                              <p:par>
+                                <p:cTn id="15" presetID="10" presetClass="entr" presetSubtype="0" fill="hold" nodeType="clickEffect">
+                                  <p:stCondLst>
+                                    <p:cond delay="0"/>
+                                  </p:stCondLst>
+                                  <p:childTnLst>
+                                    <p:set>
+                                      <p:cBhvr>
+                                        <p:cTn id="16" dur="1" fill="hold">
+                                          <p:stCondLst>
+                                            <p:cond delay="0"/>
+                                          </p:stCondLst>
+                                        </p:cTn>
+                                        <p:tgtEl>
+                                          <p:spTgt spid="3">
+                                            <p:txEl>
+                                              <p:pRg st="4" end="4"/>
+                                            </p:txEl>
+                                          </p:spTgt>
+                                        </p:tgtEl>
+                                        <p:attrNameLst>
+                                          <p:attrName>style.visibility</p:attrName>
+                                        </p:attrNameLst>
+                                      </p:cBhvr>
+                                      <p:to>
+                                        <p:strVal val="visible"/>
+                                      </p:to>
+                                    </p:set>
+                                    <p:animEffect transition="in" filter="fade">
+                                      <p:cBhvr>
+                                        <p:cTn id="17" dur="500"/>
+                                        <p:tgtEl>
+                                          <p:spTgt spid="3">
+                                            <p:txEl>
+                                              <p:pRg st="4" end="4"/>
+                                            </p:txEl>
+                                          </p:spTgt>
+                                        </p:tgtEl>
+                                      </p:cBhvr>
+                                    </p:animEffect>
+                                  </p:childTnLst>
+                                </p:cTn>
+                              </p:par>
+                            </p:childTnLst>
+                          </p:cTn>
+                        </p:par>
+                      </p:childTnLst>
+                    </p:cTn>
+                  </p:par>
+                </p:childTnLst>
+              </p:cTn>
+              <p:prevCondLst>
+                <p:cond evt="onPrev" delay="0">
+                  <p:tgtEl>
+                    <p:sldTgt/>
+                  </p:tgtEl>
+                </p:cond>
+              </p:prevCondLst>
+              <p:nextCondLst>
+                <p:cond evt="onNext" delay="0">
+                  <p:tgtEl>
+                    <p:sldTgt/>
+                  </p:tgtEl>
+                </p:cond>
+              </p:nextCondLst>
+            </p:seq>
+          </p:childTnLst>
+        </p:cTn>
+      </p:par>
+    </p:tnLst>
+  </p:timing>
 </p:sld>
 </file>
 
@@ -18001,6 +21631,148 @@
   <p:clrMapOvr>
     <a:masterClrMapping/>
   </p:clrMapOvr>
+  <p:timing>
+    <p:tnLst>
+      <p:par>
+        <p:cTn id="1" dur="indefinite" restart="never" nodeType="tmRoot">
+          <p:childTnLst>
+            <p:seq concurrent="1" nextAc="seek">
+              <p:cTn id="2" dur="indefinite" nodeType="mainSeq">
+                <p:childTnLst>
+                  <p:par>
+                    <p:cTn id="3" fill="hold">
+                      <p:stCondLst>
+                        <p:cond delay="indefinite"/>
+                        <p:cond evt="onBegin" delay="0">
+                          <p:tn val="2"/>
+                        </p:cond>
+                      </p:stCondLst>
+                      <p:childTnLst>
+                        <p:par>
+                          <p:cTn id="4" fill="hold">
+                            <p:stCondLst>
+                              <p:cond delay="0"/>
+                            </p:stCondLst>
+                            <p:childTnLst>
+                              <p:par>
+                                <p:cTn id="5" presetID="10" presetClass="entr" presetSubtype="0" fill="hold" grpId="0" nodeType="afterEffect">
+                                  <p:stCondLst>
+                                    <p:cond delay="0"/>
+                                  </p:stCondLst>
+                                  <p:childTnLst>
+                                    <p:set>
+                                      <p:cBhvr>
+                                        <p:cTn id="6" dur="1" fill="hold">
+                                          <p:stCondLst>
+                                            <p:cond delay="0"/>
+                                          </p:stCondLst>
+                                        </p:cTn>
+                                        <p:tgtEl>
+                                          <p:spTgt spid="2"/>
+                                        </p:tgtEl>
+                                        <p:attrNameLst>
+                                          <p:attrName>style.visibility</p:attrName>
+                                        </p:attrNameLst>
+                                      </p:cBhvr>
+                                      <p:to>
+                                        <p:strVal val="visible"/>
+                                      </p:to>
+                                    </p:set>
+                                    <p:animEffect transition="in" filter="fade">
+                                      <p:cBhvr>
+                                        <p:cTn id="7" dur="500"/>
+                                        <p:tgtEl>
+                                          <p:spTgt spid="2"/>
+                                        </p:tgtEl>
+                                      </p:cBhvr>
+                                    </p:animEffect>
+                                  </p:childTnLst>
+                                </p:cTn>
+                              </p:par>
+                            </p:childTnLst>
+                          </p:cTn>
+                        </p:par>
+                      </p:childTnLst>
+                    </p:cTn>
+                  </p:par>
+                  <p:par>
+                    <p:cTn id="8" fill="hold">
+                      <p:stCondLst>
+                        <p:cond delay="indefinite"/>
+                      </p:stCondLst>
+                      <p:childTnLst>
+                        <p:par>
+                          <p:cTn id="9" fill="hold">
+                            <p:stCondLst>
+                              <p:cond delay="0"/>
+                            </p:stCondLst>
+                            <p:childTnLst>
+                              <p:par>
+                                <p:cTn id="10" presetID="10" presetClass="entr" presetSubtype="0" fill="hold" nodeType="clickEffect">
+                                  <p:stCondLst>
+                                    <p:cond delay="0"/>
+                                  </p:stCondLst>
+                                  <p:childTnLst>
+                                    <p:set>
+                                      <p:cBhvr>
+                                        <p:cTn id="11" dur="1" fill="hold">
+                                          <p:stCondLst>
+                                            <p:cond delay="0"/>
+                                          </p:stCondLst>
+                                        </p:cTn>
+                                        <p:tgtEl>
+                                          <p:spTgt spid="5"/>
+                                        </p:tgtEl>
+                                        <p:attrNameLst>
+                                          <p:attrName>style.visibility</p:attrName>
+                                        </p:attrNameLst>
+                                      </p:cBhvr>
+                                      <p:to>
+                                        <p:strVal val="visible"/>
+                                      </p:to>
+                                    </p:set>
+                                    <p:animEffect transition="in" filter="fade">
+                                      <p:cBhvr>
+                                        <p:cTn id="12" dur="500"/>
+                                        <p:tgtEl>
+                                          <p:spTgt spid="5"/>
+                                        </p:tgtEl>
+                                      </p:cBhvr>
+                                    </p:animEffect>
+                                  </p:childTnLst>
+                                </p:cTn>
+                              </p:par>
+                            </p:childTnLst>
+                          </p:cTn>
+                        </p:par>
+                      </p:childTnLst>
+                    </p:cTn>
+                  </p:par>
+                </p:childTnLst>
+              </p:cTn>
+              <p:prevCondLst>
+                <p:cond evt="onPrev" delay="0">
+                  <p:tgtEl>
+                    <p:sldTgt/>
+                  </p:tgtEl>
+                </p:cond>
+              </p:prevCondLst>
+              <p:nextCondLst>
+                <p:cond evt="onNext" delay="0">
+                  <p:tgtEl>
+                    <p:sldTgt/>
+                  </p:tgtEl>
+                </p:cond>
+              </p:nextCondLst>
+            </p:seq>
+          </p:childTnLst>
+        </p:cTn>
+      </p:par>
+    </p:tnLst>
+    <p:bldLst>
+      <p:bldP spid="2" grpId="0"/>
+    </p:bldLst>
+  </p:timing>
 </p:sld>
 </file>
 
@@ -18525,6 +22297,278 @@
   <p:clrMapOvr>
     <a:masterClrMapping/>
   </p:clrMapOvr>
+  <p:timing>
+    <p:tnLst>
+      <p:par>
+        <p:cTn id="1" dur="indefinite" restart="never" nodeType="tmRoot">
+          <p:childTnLst>
+            <p:seq concurrent="1" nextAc="seek">
+              <p:cTn id="2" dur="indefinite" nodeType="mainSeq">
+                <p:childTnLst>
+                  <p:par>
+                    <p:cTn id="3" fill="hold">
+                      <p:stCondLst>
+                        <p:cond delay="indefinite"/>
+                        <p:cond evt="onBegin" delay="0">
+                          <p:tn val="2"/>
+                        </p:cond>
+                      </p:stCondLst>
+                      <p:childTnLst>
+                        <p:par>
+                          <p:cTn id="4" fill="hold">
+                            <p:stCondLst>
+                              <p:cond delay="0"/>
+                            </p:stCondLst>
+                            <p:childTnLst>
+                              <p:par>
+                                <p:cTn id="5" presetID="10" presetClass="entr" presetSubtype="0" fill="hold" grpId="0" nodeType="afterEffect">
+                                  <p:stCondLst>
+                                    <p:cond delay="0"/>
+                                  </p:stCondLst>
+                                  <p:childTnLst>
+                                    <p:set>
+                                      <p:cBhvr>
+                                        <p:cTn id="6" dur="1" fill="hold">
+                                          <p:stCondLst>
+                                            <p:cond delay="0"/>
+                                          </p:stCondLst>
+                                        </p:cTn>
+                                        <p:tgtEl>
+                                          <p:spTgt spid="2"/>
+                                        </p:tgtEl>
+                                        <p:attrNameLst>
+                                          <p:attrName>style.visibility</p:attrName>
+                                        </p:attrNameLst>
+                                      </p:cBhvr>
+                                      <p:to>
+                                        <p:strVal val="visible"/>
+                                      </p:to>
+                                    </p:set>
+                                    <p:animEffect transition="in" filter="fade">
+                                      <p:cBhvr>
+                                        <p:cTn id="7" dur="500"/>
+                                        <p:tgtEl>
+                                          <p:spTgt spid="2"/>
+                                        </p:tgtEl>
+                                      </p:cBhvr>
+                                    </p:animEffect>
+                                  </p:childTnLst>
+                                </p:cTn>
+                              </p:par>
+                            </p:childTnLst>
+                          </p:cTn>
+                        </p:par>
+                      </p:childTnLst>
+                    </p:cTn>
+                  </p:par>
+                  <p:par>
+                    <p:cTn id="8" fill="hold">
+                      <p:stCondLst>
+                        <p:cond delay="indefinite"/>
+                      </p:stCondLst>
+                      <p:childTnLst>
+                        <p:par>
+                          <p:cTn id="9" fill="hold">
+                            <p:stCondLst>
+                              <p:cond delay="0"/>
+                            </p:stCondLst>
+                            <p:childTnLst>
+                              <p:par>
+                                <p:cTn id="10" presetID="10" presetClass="entr" presetSubtype="0" fill="hold" nodeType="clickEffect">
+                                  <p:stCondLst>
+                                    <p:cond delay="0"/>
+                                  </p:stCondLst>
+                                  <p:childTnLst>
+                                    <p:set>
+                                      <p:cBhvr>
+                                        <p:cTn id="11" dur="1" fill="hold">
+                                          <p:stCondLst>
+                                            <p:cond delay="0"/>
+                                          </p:stCondLst>
+                                        </p:cTn>
+                                        <p:tgtEl>
+                                          <p:spTgt spid="3">
+                                            <p:txEl>
+                                              <p:pRg st="0" end="0"/>
+                                            </p:txEl>
+                                          </p:spTgt>
+                                        </p:tgtEl>
+                                        <p:attrNameLst>
+                                          <p:attrName>style.visibility</p:attrName>
+                                        </p:attrNameLst>
+                                      </p:cBhvr>
+                                      <p:to>
+                                        <p:strVal val="visible"/>
+                                      </p:to>
+                                    </p:set>
+                                    <p:animEffect transition="in" filter="fade">
+                                      <p:cBhvr>
+                                        <p:cTn id="12" dur="500"/>
+                                        <p:tgtEl>
+                                          <p:spTgt spid="3">
+                                            <p:txEl>
+                                              <p:pRg st="0" end="0"/>
+                                            </p:txEl>
+                                          </p:spTgt>
+                                        </p:tgtEl>
+                                      </p:cBhvr>
+                                    </p:animEffect>
+                                  </p:childTnLst>
+                                </p:cTn>
+                              </p:par>
+                            </p:childTnLst>
+                          </p:cTn>
+                        </p:par>
+                      </p:childTnLst>
+                    </p:cTn>
+                  </p:par>
+                  <p:par>
+                    <p:cTn id="13" fill="hold">
+                      <p:stCondLst>
+                        <p:cond delay="indefinite"/>
+                      </p:stCondLst>
+                      <p:childTnLst>
+                        <p:par>
+                          <p:cTn id="14" fill="hold">
+                            <p:stCondLst>
+                              <p:cond delay="0"/>
+                            </p:stCondLst>
+                            <p:childTnLst>
+                              <p:par>
+                                <p:cTn id="15" presetID="10" presetClass="entr" presetSubtype="0" fill="hold" nodeType="clickEffect">
+                                  <p:stCondLst>
+                                    <p:cond delay="0"/>
+                                  </p:stCondLst>
+                                  <p:childTnLst>
+                                    <p:set>
+                                      <p:cBhvr>
+                                        <p:cTn id="16" dur="1" fill="hold">
+                                          <p:stCondLst>
+                                            <p:cond delay="0"/>
+                                          </p:stCondLst>
+                                        </p:cTn>
+                                        <p:tgtEl>
+                                          <p:spTgt spid="3">
+                                            <p:txEl>
+                                              <p:pRg st="2" end="2"/>
+                                            </p:txEl>
+                                          </p:spTgt>
+                                        </p:tgtEl>
+                                        <p:attrNameLst>
+                                          <p:attrName>style.visibility</p:attrName>
+                                        </p:attrNameLst>
+                                      </p:cBhvr>
+                                      <p:to>
+                                        <p:strVal val="visible"/>
+                                      </p:to>
+                                    </p:set>
+                                    <p:animEffect transition="in" filter="fade">
+                                      <p:cBhvr>
+                                        <p:cTn id="17" dur="500"/>
+                                        <p:tgtEl>
+                                          <p:spTgt spid="3">
+                                            <p:txEl>
+                                              <p:pRg st="2" end="2"/>
+                                            </p:txEl>
+                                          </p:spTgt>
+                                        </p:tgtEl>
+                                      </p:cBhvr>
+                                    </p:animEffect>
+                                  </p:childTnLst>
+                                </p:cTn>
+                              </p:par>
+                            </p:childTnLst>
+                          </p:cTn>
+                        </p:par>
+                      </p:childTnLst>
+                    </p:cTn>
+                  </p:par>
+                  <p:par>
+                    <p:cTn id="18" fill="hold">
+                      <p:stCondLst>
+                        <p:cond delay="indefinite"/>
+                      </p:stCondLst>
+                      <p:childTnLst>
+                        <p:par>
+                          <p:cTn id="19" fill="hold">
+                            <p:stCondLst>
+                              <p:cond delay="0"/>
+                            </p:stCondLst>
+                            <p:childTnLst>
+                              <p:par>
+                                <p:cTn id="20" presetID="10" presetClass="entr" presetSubtype="0" fill="hold" nodeType="clickEffect">
+                                  <p:stCondLst>
+                                    <p:cond delay="0"/>
+                                  </p:stCondLst>
+                                  <p:childTnLst>
+                                    <p:set>
+                                      <p:cBhvr>
+                                        <p:cTn id="21" dur="1" fill="hold">
+                                          <p:stCondLst>
+                                            <p:cond delay="0"/>
+                                          </p:stCondLst>
+                                        </p:cTn>
+                                        <p:tgtEl>
+                                          <p:spTgt spid="3">
+                                            <p:txEl>
+                                              <p:pRg st="4" end="4"/>
+                                            </p:txEl>
+                                          </p:spTgt>
+                                        </p:tgtEl>
+                                        <p:attrNameLst>
+                                          <p:attrName>style.visibility</p:attrName>
+                                        </p:attrNameLst>
+                                      </p:cBhvr>
+                                      <p:to>
+                                        <p:strVal val="visible"/>
+                                      </p:to>
+                                    </p:set>
+                                    <p:animEffect transition="in" filter="fade">
+                                      <p:cBhvr>
+                                        <p:cTn id="22" dur="500"/>
+                                        <p:tgtEl>
+                                          <p:spTgt spid="3">
+                                            <p:txEl>
+                                              <p:pRg st="4" end="4"/>
+                                            </p:txEl>
+                                          </p:spTgt>
+                                        </p:tgtEl>
+                                      </p:cBhvr>
+                                    </p:animEffect>
+                                  </p:childTnLst>
+                                </p:cTn>
+                              </p:par>
+                            </p:childTnLst>
+                          </p:cTn>
+                        </p:par>
+                      </p:childTnLst>
+                    </p:cTn>
+                  </p:par>
+                </p:childTnLst>
+              </p:cTn>
+              <p:prevCondLst>
+                <p:cond evt="onPrev" delay="0">
+                  <p:tgtEl>
+                    <p:sldTgt/>
+                  </p:tgtEl>
+                </p:cond>
+              </p:prevCondLst>
+              <p:nextCondLst>
+                <p:cond evt="onNext" delay="0">
+                  <p:tgtEl>
+                    <p:sldTgt/>
+                  </p:tgtEl>
+                </p:cond>
+              </p:nextCondLst>
+            </p:seq>
+          </p:childTnLst>
+        </p:cTn>
+      </p:par>
+    </p:tnLst>
+    <p:bldLst>
+      <p:bldP spid="2" grpId="0"/>
+    </p:bldLst>
+  </p:timing>
 </p:sld>
 </file>
 
